--- a/博物馆新闻采集分析子系统.pptx
+++ b/博物馆新闻采集分析子系统.pptx
@@ -5,27 +5,31 @@
     <p:sldMasterId id="2147483648" r:id="rId1"/>
   </p:sldMasterIdLst>
   <p:notesMasterIdLst>
-    <p:notesMasterId r:id="rId20"/>
+    <p:notesMasterId r:id="rId24"/>
   </p:notesMasterIdLst>
   <p:sldIdLst>
     <p:sldId id="2407" r:id="rId2"/>
     <p:sldId id="2311" r:id="rId3"/>
     <p:sldId id="2408" r:id="rId4"/>
     <p:sldId id="2409" r:id="rId5"/>
-    <p:sldId id="2336" r:id="rId6"/>
-    <p:sldId id="2410" r:id="rId7"/>
-    <p:sldId id="2412" r:id="rId8"/>
-    <p:sldId id="2333" r:id="rId9"/>
-    <p:sldId id="2388" r:id="rId10"/>
-    <p:sldId id="2415" r:id="rId11"/>
-    <p:sldId id="2387" r:id="rId12"/>
-    <p:sldId id="2416" r:id="rId13"/>
-    <p:sldId id="2314" r:id="rId14"/>
-    <p:sldId id="2332" r:id="rId15"/>
-    <p:sldId id="2411" r:id="rId16"/>
-    <p:sldId id="2281" r:id="rId17"/>
-    <p:sldId id="2417" r:id="rId18"/>
-    <p:sldId id="2313" r:id="rId19"/>
+    <p:sldId id="2343" r:id="rId6"/>
+    <p:sldId id="2336" r:id="rId7"/>
+    <p:sldId id="2410" r:id="rId8"/>
+    <p:sldId id="2412" r:id="rId9"/>
+    <p:sldId id="2333" r:id="rId10"/>
+    <p:sldId id="2388" r:id="rId11"/>
+    <p:sldId id="2415" r:id="rId12"/>
+    <p:sldId id="2418" r:id="rId13"/>
+    <p:sldId id="2387" r:id="rId14"/>
+    <p:sldId id="2416" r:id="rId15"/>
+    <p:sldId id="2314" r:id="rId16"/>
+    <p:sldId id="2419" r:id="rId17"/>
+    <p:sldId id="2332" r:id="rId18"/>
+    <p:sldId id="2411" r:id="rId19"/>
+    <p:sldId id="2420" r:id="rId20"/>
+    <p:sldId id="2281" r:id="rId21"/>
+    <p:sldId id="2417" r:id="rId22"/>
+    <p:sldId id="2313" r:id="rId23"/>
   </p:sldIdLst>
   <p:sldSz cx="12192000" cy="6858000"/>
   <p:notesSz cx="6858000" cy="9144000"/>
@@ -566,6 +570,261 @@
 </p:notes>
 </file>
 
+<file path=ppt/notesSlides/notesSlide10.xml><?xml version="1.0" encoding="utf-8"?>
+<p:notes xmlns:a="http://schemas.openxmlformats.org/drawingml/2006/main" xmlns:r="http://schemas.openxmlformats.org/officeDocument/2006/relationships" xmlns:p="http://schemas.openxmlformats.org/presentationml/2006/main">
+  <p:cSld>
+    <p:spTree>
+      <p:nvGrpSpPr>
+        <p:cNvPr id="1" name=""/>
+        <p:cNvGrpSpPr/>
+        <p:nvPr/>
+      </p:nvGrpSpPr>
+      <p:grpSpPr>
+        <a:xfrm>
+          <a:off x="0" y="0"/>
+          <a:ext cx="0" cy="0"/>
+          <a:chOff x="0" y="0"/>
+          <a:chExt cx="0" cy="0"/>
+        </a:xfrm>
+      </p:grpSpPr>
+      <p:sp>
+        <p:nvSpPr>
+          <p:cNvPr id="2" name="Slide Image Placeholder 1"/>
+          <p:cNvSpPr>
+            <a:spLocks noGrp="1" noRot="1" noChangeAspect="1"/>
+          </p:cNvSpPr>
+          <p:nvPr>
+            <p:ph type="sldImg"/>
+          </p:nvPr>
+        </p:nvSpPr>
+        <p:spPr/>
+      </p:sp>
+      <p:sp>
+        <p:nvSpPr>
+          <p:cNvPr id="3" name="Notes Placeholder 2"/>
+          <p:cNvSpPr>
+            <a:spLocks noGrp="1"/>
+          </p:cNvSpPr>
+          <p:nvPr>
+            <p:ph type="body" idx="1"/>
+          </p:nvPr>
+        </p:nvSpPr>
+        <p:spPr/>
+        <p:txBody>
+          <a:bodyPr/>
+          <a:lstStyle/>
+          <a:p>
+            <a:endParaRPr lang="en-US" dirty="0"/>
+          </a:p>
+        </p:txBody>
+      </p:sp>
+      <p:sp>
+        <p:nvSpPr>
+          <p:cNvPr id="4" name="Slide Number Placeholder 3"/>
+          <p:cNvSpPr>
+            <a:spLocks noGrp="1"/>
+          </p:cNvSpPr>
+          <p:nvPr>
+            <p:ph type="sldNum" sz="quarter" idx="10"/>
+          </p:nvPr>
+        </p:nvSpPr>
+        <p:spPr/>
+        <p:txBody>
+          <a:bodyPr/>
+          <a:lstStyle/>
+          <a:p>
+            <a:fld id="{006BE02D-20C0-F840-AFAC-BEA99C74FDC2}" type="slidenum">
+              <a:rPr lang="en-US" smtClean="0"/>
+              <a:pPr/>
+              <a:t>19</a:t>
+            </a:fld>
+            <a:endParaRPr lang="en-US" dirty="0"/>
+          </a:p>
+        </p:txBody>
+      </p:sp>
+    </p:spTree>
+    <p:extLst>
+      <p:ext uri="{BB962C8B-B14F-4D97-AF65-F5344CB8AC3E}">
+        <p14:creationId xmlns:p14="http://schemas.microsoft.com/office/powerpoint/2010/main" val="1238273952"/>
+      </p:ext>
+    </p:extLst>
+  </p:cSld>
+  <p:clrMapOvr>
+    <a:masterClrMapping/>
+  </p:clrMapOvr>
+</p:notes>
+</file>
+
+<file path=ppt/notesSlides/notesSlide11.xml><?xml version="1.0" encoding="utf-8"?>
+<p:notes xmlns:a="http://schemas.openxmlformats.org/drawingml/2006/main" xmlns:r="http://schemas.openxmlformats.org/officeDocument/2006/relationships" xmlns:p="http://schemas.openxmlformats.org/presentationml/2006/main">
+  <p:cSld>
+    <p:spTree>
+      <p:nvGrpSpPr>
+        <p:cNvPr id="1" name=""/>
+        <p:cNvGrpSpPr/>
+        <p:nvPr/>
+      </p:nvGrpSpPr>
+      <p:grpSpPr>
+        <a:xfrm>
+          <a:off x="0" y="0"/>
+          <a:ext cx="0" cy="0"/>
+          <a:chOff x="0" y="0"/>
+          <a:chExt cx="0" cy="0"/>
+        </a:xfrm>
+      </p:grpSpPr>
+      <p:sp>
+        <p:nvSpPr>
+          <p:cNvPr id="2" name="Slide Image Placeholder 1"/>
+          <p:cNvSpPr>
+            <a:spLocks noGrp="1" noRot="1" noChangeAspect="1"/>
+          </p:cNvSpPr>
+          <p:nvPr>
+            <p:ph type="sldImg"/>
+          </p:nvPr>
+        </p:nvSpPr>
+        <p:spPr/>
+      </p:sp>
+      <p:sp>
+        <p:nvSpPr>
+          <p:cNvPr id="3" name="Notes Placeholder 2"/>
+          <p:cNvSpPr>
+            <a:spLocks noGrp="1"/>
+          </p:cNvSpPr>
+          <p:nvPr>
+            <p:ph type="body" idx="1"/>
+          </p:nvPr>
+        </p:nvSpPr>
+        <p:spPr/>
+        <p:txBody>
+          <a:bodyPr/>
+          <a:lstStyle/>
+          <a:p>
+            <a:endParaRPr lang="en-US" dirty="0"/>
+          </a:p>
+        </p:txBody>
+      </p:sp>
+      <p:sp>
+        <p:nvSpPr>
+          <p:cNvPr id="4" name="Slide Number Placeholder 3"/>
+          <p:cNvSpPr>
+            <a:spLocks noGrp="1"/>
+          </p:cNvSpPr>
+          <p:nvPr>
+            <p:ph type="sldNum" sz="quarter" idx="10"/>
+          </p:nvPr>
+        </p:nvSpPr>
+        <p:spPr/>
+        <p:txBody>
+          <a:bodyPr/>
+          <a:lstStyle/>
+          <a:p>
+            <a:fld id="{006BE02D-20C0-F840-AFAC-BEA99C74FDC2}" type="slidenum">
+              <a:rPr lang="en-US" smtClean="0"/>
+              <a:pPr/>
+              <a:t>20</a:t>
+            </a:fld>
+            <a:endParaRPr lang="en-US" dirty="0"/>
+          </a:p>
+        </p:txBody>
+      </p:sp>
+    </p:spTree>
+    <p:extLst>
+      <p:ext uri="{BB962C8B-B14F-4D97-AF65-F5344CB8AC3E}">
+        <p14:creationId xmlns:p14="http://schemas.microsoft.com/office/powerpoint/2010/main" val="86358996"/>
+      </p:ext>
+    </p:extLst>
+  </p:cSld>
+  <p:clrMapOvr>
+    <a:masterClrMapping/>
+  </p:clrMapOvr>
+</p:notes>
+</file>
+
+<file path=ppt/notesSlides/notesSlide12.xml><?xml version="1.0" encoding="utf-8"?>
+<p:notes xmlns:a="http://schemas.openxmlformats.org/drawingml/2006/main" xmlns:r="http://schemas.openxmlformats.org/officeDocument/2006/relationships" xmlns:p="http://schemas.openxmlformats.org/presentationml/2006/main">
+  <p:cSld>
+    <p:spTree>
+      <p:nvGrpSpPr>
+        <p:cNvPr id="1" name=""/>
+        <p:cNvGrpSpPr/>
+        <p:nvPr/>
+      </p:nvGrpSpPr>
+      <p:grpSpPr>
+        <a:xfrm>
+          <a:off x="0" y="0"/>
+          <a:ext cx="0" cy="0"/>
+          <a:chOff x="0" y="0"/>
+          <a:chExt cx="0" cy="0"/>
+        </a:xfrm>
+      </p:grpSpPr>
+      <p:sp>
+        <p:nvSpPr>
+          <p:cNvPr id="2" name="Slide Image Placeholder 1"/>
+          <p:cNvSpPr>
+            <a:spLocks noGrp="1" noRot="1" noChangeAspect="1"/>
+          </p:cNvSpPr>
+          <p:nvPr>
+            <p:ph type="sldImg"/>
+          </p:nvPr>
+        </p:nvSpPr>
+        <p:spPr/>
+      </p:sp>
+      <p:sp>
+        <p:nvSpPr>
+          <p:cNvPr id="3" name="Notes Placeholder 2"/>
+          <p:cNvSpPr>
+            <a:spLocks noGrp="1"/>
+          </p:cNvSpPr>
+          <p:nvPr>
+            <p:ph type="body" idx="1"/>
+          </p:nvPr>
+        </p:nvSpPr>
+        <p:spPr/>
+        <p:txBody>
+          <a:bodyPr/>
+          <a:lstStyle/>
+          <a:p>
+            <a:endParaRPr lang="en-US" dirty="0"/>
+          </a:p>
+        </p:txBody>
+      </p:sp>
+      <p:sp>
+        <p:nvSpPr>
+          <p:cNvPr id="4" name="Slide Number Placeholder 3"/>
+          <p:cNvSpPr>
+            <a:spLocks noGrp="1"/>
+          </p:cNvSpPr>
+          <p:nvPr>
+            <p:ph type="sldNum" sz="quarter" idx="10"/>
+          </p:nvPr>
+        </p:nvSpPr>
+        <p:spPr/>
+        <p:txBody>
+          <a:bodyPr/>
+          <a:lstStyle/>
+          <a:p>
+            <a:fld id="{006BE02D-20C0-F840-AFAC-BEA99C74FDC2}" type="slidenum">
+              <a:rPr lang="en-US" smtClean="0"/>
+              <a:pPr/>
+              <a:t>22</a:t>
+            </a:fld>
+            <a:endParaRPr lang="en-US" dirty="0"/>
+          </a:p>
+        </p:txBody>
+      </p:sp>
+    </p:spTree>
+    <p:extLst>
+      <p:ext uri="{BB962C8B-B14F-4D97-AF65-F5344CB8AC3E}">
+        <p14:creationId xmlns:p14="http://schemas.microsoft.com/office/powerpoint/2010/main" val="18127042"/>
+      </p:ext>
+    </p:extLst>
+  </p:cSld>
+  <p:clrMapOvr>
+    <a:masterClrMapping/>
+  </p:clrMapOvr>
+</p:notes>
+</file>
+
 <file path=ppt/notesSlides/notesSlide2.xml><?xml version="1.0" encoding="utf-8"?>
 <p:notes xmlns:a="http://schemas.openxmlformats.org/drawingml/2006/main" xmlns:r="http://schemas.openxmlformats.org/officeDocument/2006/relationships" xmlns:p="http://schemas.openxmlformats.org/presentationml/2006/main">
   <p:cSld>
@@ -717,7 +976,7 @@
             <a:fld id="{006BE02D-20C0-F840-AFAC-BEA99C74FDC2}" type="slidenum">
               <a:rPr lang="en-US" smtClean="0"/>
               <a:pPr/>
-              <a:t>7</a:t>
+              <a:t>5</a:t>
             </a:fld>
             <a:endParaRPr lang="en-US" dirty="0"/>
           </a:p>
@@ -726,7 +985,7 @@
     </p:spTree>
     <p:extLst>
       <p:ext uri="{BB962C8B-B14F-4D97-AF65-F5344CB8AC3E}">
-        <p14:creationId xmlns:p14="http://schemas.microsoft.com/office/powerpoint/2010/main" val="3499622881"/>
+        <p14:creationId xmlns:p14="http://schemas.microsoft.com/office/powerpoint/2010/main" val="1238273952"/>
       </p:ext>
     </p:extLst>
   </p:cSld>
@@ -811,7 +1070,7 @@
     </p:spTree>
     <p:extLst>
       <p:ext uri="{BB962C8B-B14F-4D97-AF65-F5344CB8AC3E}">
-        <p14:creationId xmlns:p14="http://schemas.microsoft.com/office/powerpoint/2010/main" val="853843766"/>
+        <p14:creationId xmlns:p14="http://schemas.microsoft.com/office/powerpoint/2010/main" val="3499622881"/>
       </p:ext>
     </p:extLst>
   </p:cSld>
@@ -896,7 +1155,7 @@
     </p:spTree>
     <p:extLst>
       <p:ext uri="{BB962C8B-B14F-4D97-AF65-F5344CB8AC3E}">
-        <p14:creationId xmlns:p14="http://schemas.microsoft.com/office/powerpoint/2010/main" val="1582630765"/>
+        <p14:creationId xmlns:p14="http://schemas.microsoft.com/office/powerpoint/2010/main" val="853843766"/>
       </p:ext>
     </p:extLst>
   </p:cSld>
@@ -972,7 +1231,7 @@
             <a:fld id="{006BE02D-20C0-F840-AFAC-BEA99C74FDC2}" type="slidenum">
               <a:rPr lang="en-US" smtClean="0"/>
               <a:pPr/>
-              <a:t>14</a:t>
+              <a:t>10</a:t>
             </a:fld>
             <a:endParaRPr lang="en-US" dirty="0"/>
           </a:p>
@@ -981,7 +1240,7 @@
     </p:spTree>
     <p:extLst>
       <p:ext uri="{BB962C8B-B14F-4D97-AF65-F5344CB8AC3E}">
-        <p14:creationId xmlns:p14="http://schemas.microsoft.com/office/powerpoint/2010/main" val="562556429"/>
+        <p14:creationId xmlns:p14="http://schemas.microsoft.com/office/powerpoint/2010/main" val="1582630765"/>
       </p:ext>
     </p:extLst>
   </p:cSld>
@@ -1057,7 +1316,7 @@
             <a:fld id="{006BE02D-20C0-F840-AFAC-BEA99C74FDC2}" type="slidenum">
               <a:rPr lang="en-US" smtClean="0"/>
               <a:pPr/>
-              <a:t>16</a:t>
+              <a:t>12</a:t>
             </a:fld>
             <a:endParaRPr lang="en-US" dirty="0"/>
           </a:p>
@@ -1066,7 +1325,7 @@
     </p:spTree>
     <p:extLst>
       <p:ext uri="{BB962C8B-B14F-4D97-AF65-F5344CB8AC3E}">
-        <p14:creationId xmlns:p14="http://schemas.microsoft.com/office/powerpoint/2010/main" val="86358996"/>
+        <p14:creationId xmlns:p14="http://schemas.microsoft.com/office/powerpoint/2010/main" val="1238273952"/>
       </p:ext>
     </p:extLst>
   </p:cSld>
@@ -1142,7 +1401,7 @@
             <a:fld id="{006BE02D-20C0-F840-AFAC-BEA99C74FDC2}" type="slidenum">
               <a:rPr lang="en-US" smtClean="0"/>
               <a:pPr/>
-              <a:t>18</a:t>
+              <a:t>16</a:t>
             </a:fld>
             <a:endParaRPr lang="en-US" dirty="0"/>
           </a:p>
@@ -1151,7 +1410,92 @@
     </p:spTree>
     <p:extLst>
       <p:ext uri="{BB962C8B-B14F-4D97-AF65-F5344CB8AC3E}">
-        <p14:creationId xmlns:p14="http://schemas.microsoft.com/office/powerpoint/2010/main" val="18127042"/>
+        <p14:creationId xmlns:p14="http://schemas.microsoft.com/office/powerpoint/2010/main" val="1238273952"/>
+      </p:ext>
+    </p:extLst>
+  </p:cSld>
+  <p:clrMapOvr>
+    <a:masterClrMapping/>
+  </p:clrMapOvr>
+</p:notes>
+</file>
+
+<file path=ppt/notesSlides/notesSlide9.xml><?xml version="1.0" encoding="utf-8"?>
+<p:notes xmlns:a="http://schemas.openxmlformats.org/drawingml/2006/main" xmlns:r="http://schemas.openxmlformats.org/officeDocument/2006/relationships" xmlns:p="http://schemas.openxmlformats.org/presentationml/2006/main">
+  <p:cSld>
+    <p:spTree>
+      <p:nvGrpSpPr>
+        <p:cNvPr id="1" name=""/>
+        <p:cNvGrpSpPr/>
+        <p:nvPr/>
+      </p:nvGrpSpPr>
+      <p:grpSpPr>
+        <a:xfrm>
+          <a:off x="0" y="0"/>
+          <a:ext cx="0" cy="0"/>
+          <a:chOff x="0" y="0"/>
+          <a:chExt cx="0" cy="0"/>
+        </a:xfrm>
+      </p:grpSpPr>
+      <p:sp>
+        <p:nvSpPr>
+          <p:cNvPr id="2" name="Slide Image Placeholder 1"/>
+          <p:cNvSpPr>
+            <a:spLocks noGrp="1" noRot="1" noChangeAspect="1"/>
+          </p:cNvSpPr>
+          <p:nvPr>
+            <p:ph type="sldImg"/>
+          </p:nvPr>
+        </p:nvSpPr>
+        <p:spPr/>
+      </p:sp>
+      <p:sp>
+        <p:nvSpPr>
+          <p:cNvPr id="3" name="Notes Placeholder 2"/>
+          <p:cNvSpPr>
+            <a:spLocks noGrp="1"/>
+          </p:cNvSpPr>
+          <p:nvPr>
+            <p:ph type="body" idx="1"/>
+          </p:nvPr>
+        </p:nvSpPr>
+        <p:spPr/>
+        <p:txBody>
+          <a:bodyPr/>
+          <a:lstStyle/>
+          <a:p>
+            <a:endParaRPr lang="en-US" dirty="0"/>
+          </a:p>
+        </p:txBody>
+      </p:sp>
+      <p:sp>
+        <p:nvSpPr>
+          <p:cNvPr id="4" name="Slide Number Placeholder 3"/>
+          <p:cNvSpPr>
+            <a:spLocks noGrp="1"/>
+          </p:cNvSpPr>
+          <p:nvPr>
+            <p:ph type="sldNum" sz="quarter" idx="10"/>
+          </p:nvPr>
+        </p:nvSpPr>
+        <p:spPr/>
+        <p:txBody>
+          <a:bodyPr/>
+          <a:lstStyle/>
+          <a:p>
+            <a:fld id="{006BE02D-20C0-F840-AFAC-BEA99C74FDC2}" type="slidenum">
+              <a:rPr lang="en-US" smtClean="0"/>
+              <a:pPr/>
+              <a:t>17</a:t>
+            </a:fld>
+            <a:endParaRPr lang="en-US" dirty="0"/>
+          </a:p>
+        </p:txBody>
+      </p:sp>
+    </p:spTree>
+    <p:extLst>
+      <p:ext uri="{BB962C8B-B14F-4D97-AF65-F5344CB8AC3E}">
+        <p14:creationId xmlns:p14="http://schemas.microsoft.com/office/powerpoint/2010/main" val="562556429"/>
       </p:ext>
     </p:extLst>
   </p:cSld>
@@ -2302,6 +2646,84 @@
 </p:sldLayout>
 </file>
 
+<file path=ppt/slideLayouts/slideLayout18.xml><?xml version="1.0" encoding="utf-8"?>
+<p:sldLayout xmlns:a="http://schemas.openxmlformats.org/drawingml/2006/main" xmlns:r="http://schemas.openxmlformats.org/officeDocument/2006/relationships" xmlns:p="http://schemas.openxmlformats.org/presentationml/2006/main" userDrawn="1">
+  <p:cSld name="Services Features">
+    <p:spTree>
+      <p:nvGrpSpPr>
+        <p:cNvPr id="1" name=""/>
+        <p:cNvGrpSpPr/>
+        <p:nvPr/>
+      </p:nvGrpSpPr>
+      <p:grpSpPr>
+        <a:xfrm>
+          <a:off x="0" y="0"/>
+          <a:ext cx="0" cy="0"/>
+          <a:chOff x="0" y="0"/>
+          <a:chExt cx="0" cy="0"/>
+        </a:xfrm>
+      </p:grpSpPr>
+      <p:sp>
+        <p:nvSpPr>
+          <p:cNvPr id="8" name="Picture Placeholder 13"/>
+          <p:cNvSpPr>
+            <a:spLocks noGrp="1"/>
+          </p:cNvSpPr>
+          <p:nvPr>
+            <p:ph type="pic" sz="quarter" idx="16"/>
+          </p:nvPr>
+        </p:nvSpPr>
+        <p:spPr>
+          <a:xfrm>
+            <a:off x="-1" y="3644900"/>
+            <a:ext cx="12192001" cy="3213100"/>
+          </a:xfrm>
+          <a:prstGeom prst="rect">
+            <a:avLst/>
+          </a:prstGeom>
+          <a:effectLst/>
+        </p:spPr>
+        <p:txBody>
+          <a:bodyPr>
+            <a:normAutofit/>
+          </a:bodyPr>
+          <a:lstStyle>
+            <a:lvl1pPr marL="0" indent="0">
+              <a:buNone/>
+              <a:defRPr sz="1300" b="0" i="0">
+                <a:ln>
+                  <a:noFill/>
+                </a:ln>
+                <a:solidFill>
+                  <a:schemeClr val="bg1">
+                    <a:lumMod val="85000"/>
+                  </a:schemeClr>
+                </a:solidFill>
+                <a:latin typeface="Poppins Light" charset="0"/>
+                <a:ea typeface="Poppins Light" charset="0"/>
+                <a:cs typeface="Poppins Light" charset="0"/>
+              </a:defRPr>
+            </a:lvl1pPr>
+          </a:lstStyle>
+          <a:p>
+            <a:endParaRPr lang="en-US" dirty="0"/>
+          </a:p>
+        </p:txBody>
+      </p:sp>
+    </p:spTree>
+    <p:extLst>
+      <p:ext uri="{BB962C8B-B14F-4D97-AF65-F5344CB8AC3E}">
+        <p14:creationId xmlns:p14="http://schemas.microsoft.com/office/powerpoint/2010/main" val="2668050106"/>
+      </p:ext>
+    </p:extLst>
+  </p:cSld>
+  <p:clrMapOvr>
+    <a:masterClrMapping/>
+  </p:clrMapOvr>
+  <p:transition/>
+</p:sldLayout>
+</file>
+
 <file path=ppt/slideLayouts/slideLayout2.xml><?xml version="1.0" encoding="utf-8"?>
 <p:sldLayout xmlns:a="http://schemas.openxmlformats.org/drawingml/2006/main" xmlns:r="http://schemas.openxmlformats.org/officeDocument/2006/relationships" xmlns:p="http://schemas.openxmlformats.org/presentationml/2006/main" type="obj" preserve="1">
   <p:cSld name="标题和内容">
@@ -4595,6 +5017,7 @@
     <p:sldLayoutId id="2147483663" r:id="rId15"/>
     <p:sldLayoutId id="2147483664" r:id="rId16"/>
     <p:sldLayoutId id="2147483665" r:id="rId17"/>
+    <p:sldLayoutId id="2147483666" r:id="rId18"/>
   </p:sldLayoutIdLst>
   <p:txStyles>
     <p:titleStyle>
@@ -5847,6 +6270,392 @@
           <a:chExt cx="0" cy="0"/>
         </a:xfrm>
       </p:grpSpPr>
+      <p:sp>
+        <p:nvSpPr>
+          <p:cNvPr id="23" name="TextBox 22"/>
+          <p:cNvSpPr txBox="1"/>
+          <p:nvPr/>
+        </p:nvSpPr>
+        <p:spPr>
+          <a:xfrm>
+            <a:off x="5077774" y="681995"/>
+            <a:ext cx="1800493" cy="738664"/>
+          </a:xfrm>
+          <a:prstGeom prst="rect">
+            <a:avLst/>
+          </a:prstGeom>
+          <a:noFill/>
+        </p:spPr>
+        <p:txBody>
+          <a:bodyPr wrap="none" rtlCol="0">
+            <a:spAutoFit/>
+          </a:bodyPr>
+          <a:lstStyle/>
+          <a:p>
+            <a:pPr algn="ctr"/>
+            <a:r>
+              <a:rPr lang="zh-CN" altLang="en-US" sz="4200" b="1" dirty="0">
+                <a:solidFill>
+                  <a:schemeClr val="tx2"/>
+                </a:solidFill>
+                <a:latin typeface="Lato Black" charset="0"/>
+                <a:ea typeface="Lato Black" charset="0"/>
+                <a:cs typeface="Lato Black" charset="0"/>
+              </a:rPr>
+              <a:t>方式三</a:t>
+            </a:r>
+            <a:endParaRPr lang="en-US" sz="4200" b="1" dirty="0">
+              <a:solidFill>
+                <a:schemeClr val="tx2"/>
+              </a:solidFill>
+              <a:latin typeface="Lato Black" charset="0"/>
+              <a:ea typeface="Lato Black" charset="0"/>
+              <a:cs typeface="Lato Black" charset="0"/>
+            </a:endParaRPr>
+          </a:p>
+        </p:txBody>
+      </p:sp>
+      <p:sp>
+        <p:nvSpPr>
+          <p:cNvPr id="24" name="TextBox 23"/>
+          <p:cNvSpPr txBox="1"/>
+          <p:nvPr/>
+        </p:nvSpPr>
+        <p:spPr>
+          <a:xfrm>
+            <a:off x="4546572" y="1507983"/>
+            <a:ext cx="3608787" cy="348813"/>
+          </a:xfrm>
+          <a:prstGeom prst="rect">
+            <a:avLst/>
+          </a:prstGeom>
+          <a:noFill/>
+        </p:spPr>
+        <p:txBody>
+          <a:bodyPr wrap="square" rtlCol="0" anchor="ctr" anchorCtr="0">
+            <a:spAutoFit/>
+          </a:bodyPr>
+          <a:lstStyle/>
+          <a:p>
+            <a:pPr>
+              <a:lnSpc>
+                <a:spcPts val="2020"/>
+              </a:lnSpc>
+            </a:pPr>
+            <a:r>
+              <a:rPr lang="zh-CN" altLang="en-US" dirty="0">
+                <a:latin typeface="Poppins Light" charset="0"/>
+              </a:rPr>
+              <a:t>既指定博物馆，又指定时间</a:t>
+            </a:r>
+            <a:endParaRPr lang="en-US" altLang="zh-CN" dirty="0">
+              <a:latin typeface="Poppins Light" charset="0"/>
+            </a:endParaRPr>
+          </a:p>
+        </p:txBody>
+      </p:sp>
+      <p:cxnSp>
+        <p:nvCxnSpPr>
+          <p:cNvPr id="26" name="Straight Connector 25"/>
+          <p:cNvCxnSpPr/>
+          <p:nvPr/>
+        </p:nvCxnSpPr>
+        <p:spPr>
+          <a:xfrm>
+            <a:off x="5805926" y="419100"/>
+            <a:ext cx="596462" cy="0"/>
+          </a:xfrm>
+          <a:prstGeom prst="line">
+            <a:avLst/>
+          </a:prstGeom>
+          <a:ln w="57150">
+            <a:solidFill>
+              <a:schemeClr val="accent1"/>
+            </a:solidFill>
+          </a:ln>
+        </p:spPr>
+        <p:style>
+          <a:lnRef idx="1">
+            <a:schemeClr val="accent1"/>
+          </a:lnRef>
+          <a:fillRef idx="0">
+            <a:schemeClr val="accent1"/>
+          </a:fillRef>
+          <a:effectRef idx="0">
+            <a:schemeClr val="accent1"/>
+          </a:effectRef>
+          <a:fontRef idx="minor">
+            <a:schemeClr val="tx1"/>
+          </a:fontRef>
+        </p:style>
+      </p:cxnSp>
+      <p:sp>
+        <p:nvSpPr>
+          <p:cNvPr id="25" name="TextBox 22">
+            <a:extLst>
+              <a:ext uri="{FF2B5EF4-FFF2-40B4-BE49-F238E27FC236}">
+                <a16:creationId xmlns:a16="http://schemas.microsoft.com/office/drawing/2014/main" id="{C78CF06E-522A-4A5D-8E2F-B6655527824B}"/>
+              </a:ext>
+            </a:extLst>
+          </p:cNvPr>
+          <p:cNvSpPr txBox="1"/>
+          <p:nvPr/>
+        </p:nvSpPr>
+        <p:spPr>
+          <a:xfrm>
+            <a:off x="5347078" y="3724828"/>
+            <a:ext cx="1261885" cy="738664"/>
+          </a:xfrm>
+          <a:prstGeom prst="rect">
+            <a:avLst/>
+          </a:prstGeom>
+          <a:noFill/>
+        </p:spPr>
+        <p:txBody>
+          <a:bodyPr wrap="none" rtlCol="0">
+            <a:spAutoFit/>
+          </a:bodyPr>
+          <a:lstStyle/>
+          <a:p>
+            <a:pPr algn="ctr"/>
+            <a:r>
+              <a:rPr lang="zh-CN" altLang="en-US" sz="4200" b="1" dirty="0">
+                <a:solidFill>
+                  <a:schemeClr val="tx2"/>
+                </a:solidFill>
+                <a:latin typeface="Lato Black" charset="0"/>
+                <a:ea typeface="Lato Black" charset="0"/>
+                <a:cs typeface="Lato Black" charset="0"/>
+              </a:rPr>
+              <a:t>默认</a:t>
+            </a:r>
+            <a:endParaRPr lang="en-US" sz="4200" b="1" dirty="0">
+              <a:solidFill>
+                <a:schemeClr val="tx2"/>
+              </a:solidFill>
+              <a:latin typeface="Lato Black" charset="0"/>
+              <a:ea typeface="Lato Black" charset="0"/>
+              <a:cs typeface="Lato Black" charset="0"/>
+            </a:endParaRPr>
+          </a:p>
+        </p:txBody>
+      </p:sp>
+      <p:sp>
+        <p:nvSpPr>
+          <p:cNvPr id="27" name="TextBox 23">
+            <a:extLst>
+              <a:ext uri="{FF2B5EF4-FFF2-40B4-BE49-F238E27FC236}">
+                <a16:creationId xmlns:a16="http://schemas.microsoft.com/office/drawing/2014/main" id="{6D3CE4E9-0F83-494D-A2D4-C4D01658C288}"/>
+              </a:ext>
+            </a:extLst>
+          </p:cNvPr>
+          <p:cNvSpPr txBox="1"/>
+          <p:nvPr/>
+        </p:nvSpPr>
+        <p:spPr>
+          <a:xfrm>
+            <a:off x="4546571" y="4557214"/>
+            <a:ext cx="3608787" cy="348813"/>
+          </a:xfrm>
+          <a:prstGeom prst="rect">
+            <a:avLst/>
+          </a:prstGeom>
+          <a:noFill/>
+        </p:spPr>
+        <p:txBody>
+          <a:bodyPr wrap="square" rtlCol="0" anchor="ctr" anchorCtr="0">
+            <a:spAutoFit/>
+          </a:bodyPr>
+          <a:lstStyle/>
+          <a:p>
+            <a:pPr>
+              <a:lnSpc>
+                <a:spcPts val="2020"/>
+              </a:lnSpc>
+            </a:pPr>
+            <a:r>
+              <a:rPr lang="zh-CN" altLang="en-US" dirty="0">
+                <a:latin typeface="Poppins Light" charset="0"/>
+              </a:rPr>
+              <a:t>爬取所有关于博物馆的新闻</a:t>
+            </a:r>
+            <a:endParaRPr lang="en-US" altLang="zh-CN" dirty="0">
+              <a:latin typeface="Poppins Light" charset="0"/>
+            </a:endParaRPr>
+          </a:p>
+        </p:txBody>
+      </p:sp>
+      <p:pic>
+        <p:nvPicPr>
+          <p:cNvPr id="5" name="图片 4">
+            <a:extLst>
+              <a:ext uri="{FF2B5EF4-FFF2-40B4-BE49-F238E27FC236}">
+                <a16:creationId xmlns:a16="http://schemas.microsoft.com/office/drawing/2014/main" id="{3C7CDD56-9C6D-4870-9E13-10751392AC4B}"/>
+              </a:ext>
+            </a:extLst>
+          </p:cNvPr>
+          <p:cNvPicPr>
+            <a:picLocks noChangeAspect="1"/>
+          </p:cNvPicPr>
+          <p:nvPr/>
+        </p:nvPicPr>
+        <p:blipFill>
+          <a:blip r:embed="rId3">
+            <a:extLst>
+              <a:ext uri="{28A0092B-C50C-407E-A947-70E740481C1C}">
+                <a14:useLocalDpi xmlns:a14="http://schemas.microsoft.com/office/drawing/2010/main" val="0"/>
+              </a:ext>
+            </a:extLst>
+          </a:blip>
+          <a:stretch>
+            <a:fillRect/>
+          </a:stretch>
+        </p:blipFill>
+        <p:spPr>
+          <a:xfrm>
+            <a:off x="949172" y="2034425"/>
+            <a:ext cx="10545381" cy="602859"/>
+          </a:xfrm>
+          <a:prstGeom prst="rect">
+            <a:avLst/>
+          </a:prstGeom>
+        </p:spPr>
+      </p:pic>
+      <p:pic>
+        <p:nvPicPr>
+          <p:cNvPr id="8" name="图片 7">
+            <a:extLst>
+              <a:ext uri="{FF2B5EF4-FFF2-40B4-BE49-F238E27FC236}">
+                <a16:creationId xmlns:a16="http://schemas.microsoft.com/office/drawing/2014/main" id="{F458CD6E-812E-4790-B598-60CC78147A2B}"/>
+              </a:ext>
+            </a:extLst>
+          </p:cNvPr>
+          <p:cNvPicPr>
+            <a:picLocks noChangeAspect="1"/>
+          </p:cNvPicPr>
+          <p:nvPr/>
+        </p:nvPicPr>
+        <p:blipFill>
+          <a:blip r:embed="rId4">
+            <a:extLst>
+              <a:ext uri="{28A0092B-C50C-407E-A947-70E740481C1C}">
+                <a14:useLocalDpi xmlns:a14="http://schemas.microsoft.com/office/drawing/2010/main" val="0"/>
+              </a:ext>
+            </a:extLst>
+          </a:blip>
+          <a:stretch>
+            <a:fillRect/>
+          </a:stretch>
+        </p:blipFill>
+        <p:spPr>
+          <a:xfrm>
+            <a:off x="949172" y="5031236"/>
+            <a:ext cx="10545381" cy="592057"/>
+          </a:xfrm>
+          <a:prstGeom prst="rect">
+            <a:avLst/>
+          </a:prstGeom>
+        </p:spPr>
+      </p:pic>
+      <p:sp>
+        <p:nvSpPr>
+          <p:cNvPr id="11" name="íṩľíḍè-矩形: 圆角 1">
+            <a:extLst>
+              <a:ext uri="{FF2B5EF4-FFF2-40B4-BE49-F238E27FC236}">
+                <a16:creationId xmlns:a16="http://schemas.microsoft.com/office/drawing/2014/main" id="{D47B7244-3503-4A32-9E86-D72BD4CC887E}"/>
+              </a:ext>
+            </a:extLst>
+          </p:cNvPr>
+          <p:cNvSpPr/>
+          <p:nvPr/>
+        </p:nvSpPr>
+        <p:spPr>
+          <a:xfrm>
+            <a:off x="8157" y="3307346"/>
+            <a:ext cx="12192000" cy="105785"/>
+          </a:xfrm>
+          <a:prstGeom prst="roundRect">
+            <a:avLst>
+              <a:gd name="adj" fmla="val 50000"/>
+            </a:avLst>
+          </a:prstGeom>
+          <a:solidFill>
+            <a:schemeClr val="bg1">
+              <a:lumMod val="85000"/>
+            </a:schemeClr>
+          </a:solidFill>
+          <a:ln w="76200">
+            <a:noFill/>
+          </a:ln>
+        </p:spPr>
+        <p:style>
+          <a:lnRef idx="2">
+            <a:schemeClr val="accent1">
+              <a:shade val="50000"/>
+            </a:schemeClr>
+          </a:lnRef>
+          <a:fillRef idx="1">
+            <a:schemeClr val="accent1"/>
+          </a:fillRef>
+          <a:effectRef idx="0">
+            <a:schemeClr val="accent1"/>
+          </a:effectRef>
+          <a:fontRef idx="minor">
+            <a:schemeClr val="lt1"/>
+          </a:fontRef>
+        </p:style>
+        <p:txBody>
+          <a:bodyPr anchor="ctr"/>
+          <a:lstStyle/>
+          <a:p>
+            <a:pPr algn="ctr"/>
+            <a:endParaRPr>
+              <a:latin typeface="锐字工房云字库细圆GBK" panose="02010604000000000000" pitchFamily="2" charset="-122"/>
+              <a:ea typeface="微软雅黑 Light" panose="020B0502040204020203" pitchFamily="34" charset="-122"/>
+              <a:cs typeface="+mn-ea"/>
+              <a:sym typeface="锐字工房云字库细圆GBK" panose="02010604000000000000" pitchFamily="2" charset="-122"/>
+            </a:endParaRPr>
+          </a:p>
+        </p:txBody>
+      </p:sp>
+    </p:spTree>
+    <p:extLst>
+      <p:ext uri="{BB962C8B-B14F-4D97-AF65-F5344CB8AC3E}">
+        <p14:creationId xmlns:p14="http://schemas.microsoft.com/office/powerpoint/2010/main" val="1825042269"/>
+      </p:ext>
+    </p:extLst>
+  </p:cSld>
+  <p:clrMapOvr>
+    <a:masterClrMapping/>
+  </p:clrMapOvr>
+  <mc:AlternateContent xmlns:mc="http://schemas.openxmlformats.org/markup-compatibility/2006" xmlns:p14="http://schemas.microsoft.com/office/powerpoint/2010/main">
+    <mc:Choice Requires="p14">
+      <p:transition p14:dur="10"/>
+    </mc:Choice>
+    <mc:Fallback xmlns="">
+      <p:transition/>
+    </mc:Fallback>
+  </mc:AlternateContent>
+</p:sld>
+</file>
+
+<file path=ppt/slides/slide11.xml><?xml version="1.0" encoding="utf-8"?>
+<p:sld xmlns:a="http://schemas.openxmlformats.org/drawingml/2006/main" xmlns:r="http://schemas.openxmlformats.org/officeDocument/2006/relationships" xmlns:p="http://schemas.openxmlformats.org/presentationml/2006/main">
+  <p:cSld>
+    <p:spTree>
+      <p:nvGrpSpPr>
+        <p:cNvPr id="1" name=""/>
+        <p:cNvGrpSpPr/>
+        <p:nvPr/>
+      </p:nvGrpSpPr>
+      <p:grpSpPr>
+        <a:xfrm>
+          <a:off x="0" y="0"/>
+          <a:ext cx="0" cy="0"/>
+          <a:chOff x="0" y="0"/>
+          <a:chExt cx="0" cy="0"/>
+        </a:xfrm>
+      </p:grpSpPr>
       <p:cxnSp>
         <p:nvCxnSpPr>
           <p:cNvPr id="15" name="Straight Connector 25">
@@ -6480,7 +7289,109 @@
 </p:sld>
 </file>
 
-<file path=ppt/slides/slide11.xml><?xml version="1.0" encoding="utf-8"?>
+<file path=ppt/slides/slide12.xml><?xml version="1.0" encoding="utf-8"?>
+<p:sld xmlns:a="http://schemas.openxmlformats.org/drawingml/2006/main" xmlns:r="http://schemas.openxmlformats.org/officeDocument/2006/relationships" xmlns:p="http://schemas.openxmlformats.org/presentationml/2006/main">
+  <p:cSld>
+    <p:spTree>
+      <p:nvGrpSpPr>
+        <p:cNvPr id="1" name=""/>
+        <p:cNvGrpSpPr/>
+        <p:nvPr/>
+      </p:nvGrpSpPr>
+      <p:grpSpPr>
+        <a:xfrm>
+          <a:off x="0" y="0"/>
+          <a:ext cx="0" cy="0"/>
+          <a:chOff x="0" y="0"/>
+          <a:chExt cx="0" cy="0"/>
+        </a:xfrm>
+      </p:grpSpPr>
+      <p:pic>
+        <p:nvPicPr>
+          <p:cNvPr id="3" name="Picture Placeholder 2"/>
+          <p:cNvPicPr>
+            <a:picLocks noGrp="1" noChangeAspect="1"/>
+          </p:cNvPicPr>
+          <p:nvPr>
+            <p:ph type="pic" sz="quarter" idx="16"/>
+          </p:nvPr>
+        </p:nvPicPr>
+        <p:blipFill>
+          <a:blip r:embed="rId3" cstate="screen">
+            <a:extLst>
+              <a:ext uri="{28A0092B-C50C-407E-A947-70E740481C1C}">
+                <a14:useLocalDpi xmlns:a14="http://schemas.microsoft.com/office/drawing/2010/main"/>
+              </a:ext>
+            </a:extLst>
+          </a:blip>
+          <a:srcRect t="30229" b="30229"/>
+          <a:stretch>
+            <a:fillRect/>
+          </a:stretch>
+        </p:blipFill>
+        <p:spPr/>
+      </p:pic>
+      <p:sp>
+        <p:nvSpPr>
+          <p:cNvPr id="9" name="文本框 8">
+            <a:extLst>
+              <a:ext uri="{FF2B5EF4-FFF2-40B4-BE49-F238E27FC236}">
+                <a16:creationId xmlns:a16="http://schemas.microsoft.com/office/drawing/2014/main" id="{D431606C-60B6-4366-B78F-2600DF00DD72}"/>
+              </a:ext>
+            </a:extLst>
+          </p:cNvPr>
+          <p:cNvSpPr txBox="1"/>
+          <p:nvPr/>
+        </p:nvSpPr>
+        <p:spPr>
+          <a:xfrm>
+            <a:off x="2736208" y="1233182"/>
+            <a:ext cx="6719582" cy="769441"/>
+          </a:xfrm>
+          <a:prstGeom prst="rect">
+            <a:avLst/>
+          </a:prstGeom>
+          <a:noFill/>
+        </p:spPr>
+        <p:txBody>
+          <a:bodyPr wrap="square" rtlCol="0">
+            <a:spAutoFit/>
+          </a:bodyPr>
+          <a:lstStyle/>
+          <a:p>
+            <a:pPr algn="ctr"/>
+            <a:r>
+              <a:rPr lang="zh-CN" altLang="en-US" sz="4400" b="1" dirty="0">
+                <a:latin typeface="黑体" panose="02010609060101010101" pitchFamily="49" charset="-122"/>
+                <a:ea typeface="黑体" panose="02010609060101010101" pitchFamily="49" charset="-122"/>
+              </a:rPr>
+              <a:t>二、数据加工</a:t>
+            </a:r>
+          </a:p>
+        </p:txBody>
+      </p:sp>
+    </p:spTree>
+    <p:extLst>
+      <p:ext uri="{BB962C8B-B14F-4D97-AF65-F5344CB8AC3E}">
+        <p14:creationId xmlns:p14="http://schemas.microsoft.com/office/powerpoint/2010/main" val="1235220839"/>
+      </p:ext>
+    </p:extLst>
+  </p:cSld>
+  <p:clrMapOvr>
+    <a:masterClrMapping/>
+  </p:clrMapOvr>
+  <mc:AlternateContent xmlns:mc="http://schemas.openxmlformats.org/markup-compatibility/2006" xmlns:p14="http://schemas.microsoft.com/office/powerpoint/2010/main">
+    <mc:Choice Requires="p14">
+      <p:transition p14:dur="0" advClick="0"/>
+    </mc:Choice>
+    <mc:Fallback xmlns="">
+      <p:transition advClick="0"/>
+    </mc:Fallback>
+  </mc:AlternateContent>
+</p:sld>
+</file>
+
+<file path=ppt/slides/slide13.xml><?xml version="1.0" encoding="utf-8"?>
 <p:sld xmlns:a="http://schemas.openxmlformats.org/drawingml/2006/main" xmlns:r="http://schemas.openxmlformats.org/officeDocument/2006/relationships" xmlns:p="http://schemas.openxmlformats.org/presentationml/2006/main">
   <p:cSld>
     <p:spTree>
@@ -8482,7 +9393,7 @@
 </p:sld>
 </file>
 
-<file path=ppt/slides/slide12.xml><?xml version="1.0" encoding="utf-8"?>
+<file path=ppt/slides/slide14.xml><?xml version="1.0" encoding="utf-8"?>
 <p:sld xmlns:a="http://schemas.openxmlformats.org/drawingml/2006/main" xmlns:r="http://schemas.openxmlformats.org/officeDocument/2006/relationships" xmlns:p="http://schemas.openxmlformats.org/presentationml/2006/main">
   <p:cSld>
     <p:spTree>
@@ -9690,7 +10601,7 @@
 </p:sld>
 </file>
 
-<file path=ppt/slides/slide13.xml><?xml version="1.0" encoding="utf-8"?>
+<file path=ppt/slides/slide15.xml><?xml version="1.0" encoding="utf-8"?>
 <p:sld xmlns:a="http://schemas.openxmlformats.org/drawingml/2006/main" xmlns:r="http://schemas.openxmlformats.org/officeDocument/2006/relationships" xmlns:p="http://schemas.openxmlformats.org/presentationml/2006/main">
   <p:cSld>
     <p:spTree>
@@ -10003,14 +10914,14 @@
           </a:ln>
           <a:extLst>
             <a:ext uri="{909E8E84-426E-40dd-AFC4-6F175D3DCCD1}">
-              <a14:hiddenFill xmlns="" xmlns:a14="http://schemas.microsoft.com/office/drawing/2010/main">
+              <a14:hiddenFill xmlns:a14="http://schemas.microsoft.com/office/drawing/2010/main" xmlns="">
                 <a:solidFill>
                   <a:srgbClr val="FFFFFF"/>
                 </a:solidFill>
               </a14:hiddenFill>
             </a:ext>
             <a:ext uri="{91240B29-F687-4f45-9708-019B960494DF}">
-              <a14:hiddenLine xmlns="" xmlns:a14="http://schemas.microsoft.com/office/drawing/2010/main" w="12700">
+              <a14:hiddenLine xmlns:a14="http://schemas.microsoft.com/office/drawing/2010/main" xmlns="" w="12700">
                 <a:solidFill>
                   <a:schemeClr val="tx1"/>
                 </a:solidFill>
@@ -10177,7 +11088,109 @@
 </p:sld>
 </file>
 
-<file path=ppt/slides/slide14.xml><?xml version="1.0" encoding="utf-8"?>
+<file path=ppt/slides/slide16.xml><?xml version="1.0" encoding="utf-8"?>
+<p:sld xmlns:a="http://schemas.openxmlformats.org/drawingml/2006/main" xmlns:r="http://schemas.openxmlformats.org/officeDocument/2006/relationships" xmlns:p="http://schemas.openxmlformats.org/presentationml/2006/main">
+  <p:cSld>
+    <p:spTree>
+      <p:nvGrpSpPr>
+        <p:cNvPr id="1" name=""/>
+        <p:cNvGrpSpPr/>
+        <p:nvPr/>
+      </p:nvGrpSpPr>
+      <p:grpSpPr>
+        <a:xfrm>
+          <a:off x="0" y="0"/>
+          <a:ext cx="0" cy="0"/>
+          <a:chOff x="0" y="0"/>
+          <a:chExt cx="0" cy="0"/>
+        </a:xfrm>
+      </p:grpSpPr>
+      <p:pic>
+        <p:nvPicPr>
+          <p:cNvPr id="3" name="Picture Placeholder 2"/>
+          <p:cNvPicPr>
+            <a:picLocks noGrp="1" noChangeAspect="1"/>
+          </p:cNvPicPr>
+          <p:nvPr>
+            <p:ph type="pic" sz="quarter" idx="16"/>
+          </p:nvPr>
+        </p:nvPicPr>
+        <p:blipFill>
+          <a:blip r:embed="rId3" cstate="screen">
+            <a:extLst>
+              <a:ext uri="{28A0092B-C50C-407E-A947-70E740481C1C}">
+                <a14:useLocalDpi xmlns:a14="http://schemas.microsoft.com/office/drawing/2010/main"/>
+              </a:ext>
+            </a:extLst>
+          </a:blip>
+          <a:srcRect t="30229" b="30229"/>
+          <a:stretch>
+            <a:fillRect/>
+          </a:stretch>
+        </p:blipFill>
+        <p:spPr/>
+      </p:pic>
+      <p:sp>
+        <p:nvSpPr>
+          <p:cNvPr id="9" name="文本框 8">
+            <a:extLst>
+              <a:ext uri="{FF2B5EF4-FFF2-40B4-BE49-F238E27FC236}">
+                <a16:creationId xmlns:a16="http://schemas.microsoft.com/office/drawing/2014/main" id="{97AC3963-56AE-4F63-9457-3E7A483000E2}"/>
+              </a:ext>
+            </a:extLst>
+          </p:cNvPr>
+          <p:cNvSpPr txBox="1"/>
+          <p:nvPr/>
+        </p:nvSpPr>
+        <p:spPr>
+          <a:xfrm>
+            <a:off x="2736208" y="1241571"/>
+            <a:ext cx="6719582" cy="769441"/>
+          </a:xfrm>
+          <a:prstGeom prst="rect">
+            <a:avLst/>
+          </a:prstGeom>
+          <a:noFill/>
+        </p:spPr>
+        <p:txBody>
+          <a:bodyPr wrap="square" rtlCol="0">
+            <a:spAutoFit/>
+          </a:bodyPr>
+          <a:lstStyle/>
+          <a:p>
+            <a:pPr algn="ctr"/>
+            <a:r>
+              <a:rPr lang="zh-CN" altLang="en-US" sz="4400" b="1" dirty="0">
+                <a:latin typeface="黑体" panose="02010609060101010101" pitchFamily="49" charset="-122"/>
+                <a:ea typeface="黑体" panose="02010609060101010101" pitchFamily="49" charset="-122"/>
+              </a:rPr>
+              <a:t>三、数据分析</a:t>
+            </a:r>
+          </a:p>
+        </p:txBody>
+      </p:sp>
+    </p:spTree>
+    <p:extLst>
+      <p:ext uri="{BB962C8B-B14F-4D97-AF65-F5344CB8AC3E}">
+        <p14:creationId xmlns:p14="http://schemas.microsoft.com/office/powerpoint/2010/main" val="2828744202"/>
+      </p:ext>
+    </p:extLst>
+  </p:cSld>
+  <p:clrMapOvr>
+    <a:masterClrMapping/>
+  </p:clrMapOvr>
+  <mc:AlternateContent xmlns:mc="http://schemas.openxmlformats.org/markup-compatibility/2006" xmlns:p14="http://schemas.microsoft.com/office/powerpoint/2010/main">
+    <mc:Choice Requires="p14">
+      <p:transition p14:dur="0" advClick="0"/>
+    </mc:Choice>
+    <mc:Fallback xmlns="">
+      <p:transition advClick="0"/>
+    </mc:Fallback>
+  </mc:AlternateContent>
+</p:sld>
+</file>
+
+<file path=ppt/slides/slide17.xml><?xml version="1.0" encoding="utf-8"?>
 <p:sld xmlns:a="http://schemas.openxmlformats.org/drawingml/2006/main" xmlns:r="http://schemas.openxmlformats.org/officeDocument/2006/relationships" xmlns:p="http://schemas.openxmlformats.org/presentationml/2006/main">
   <p:cSld>
     <p:spTree>
@@ -11970,7 +12983,7 @@
 </p:sld>
 </file>
 
-<file path=ppt/slides/slide15.xml><?xml version="1.0" encoding="utf-8"?>
+<file path=ppt/slides/slide18.xml><?xml version="1.0" encoding="utf-8"?>
 <p:sld xmlns:a="http://schemas.openxmlformats.org/drawingml/2006/main" xmlns:r="http://schemas.openxmlformats.org/officeDocument/2006/relationships" xmlns:p="http://schemas.openxmlformats.org/presentationml/2006/main">
   <p:cSld>
     <p:spTree>
@@ -12903,8 +13916,8 @@
         </p:nvSpPr>
         <p:spPr>
           <a:xfrm>
-            <a:off x="3849244" y="584729"/>
-            <a:ext cx="4493538" cy="738664"/>
+            <a:off x="4387852" y="584729"/>
+            <a:ext cx="3416320" cy="738664"/>
           </a:xfrm>
           <a:prstGeom prst="rect">
             <a:avLst/>
@@ -12927,7 +13940,7 @@
                 <a:ea typeface="Lato Black" charset="0"/>
                 <a:cs typeface="Lato Black" charset="0"/>
               </a:rPr>
-              <a:t>提取情感分析方法</a:t>
+              <a:t>统计权重方法</a:t>
             </a:r>
             <a:endParaRPr lang="en-US" sz="4200" b="1" dirty="0">
               <a:solidFill>
@@ -13031,7 +14044,7 @@
 </p:sld>
 </file>
 
-<file path=ppt/slides/slide16.xml><?xml version="1.0" encoding="utf-8"?>
+<file path=ppt/slides/slide19.xml><?xml version="1.0" encoding="utf-8"?>
 <p:sld xmlns:a="http://schemas.openxmlformats.org/drawingml/2006/main" xmlns:r="http://schemas.openxmlformats.org/officeDocument/2006/relationships" xmlns:p="http://schemas.openxmlformats.org/presentationml/2006/main">
   <p:cSld>
     <p:spTree>
@@ -13048,598 +14061,37 @@
           <a:chExt cx="0" cy="0"/>
         </a:xfrm>
       </p:grpSpPr>
-      <p:sp>
-        <p:nvSpPr>
-          <p:cNvPr id="43" name="TextBox 42"/>
-          <p:cNvSpPr txBox="1"/>
-          <p:nvPr/>
-        </p:nvSpPr>
-        <p:spPr>
-          <a:xfrm>
-            <a:off x="4387849" y="584729"/>
-            <a:ext cx="3416320" cy="738664"/>
-          </a:xfrm>
-          <a:prstGeom prst="rect">
-            <a:avLst/>
-          </a:prstGeom>
-          <a:noFill/>
-        </p:spPr>
-        <p:txBody>
-          <a:bodyPr wrap="none" rtlCol="0">
-            <a:spAutoFit/>
-          </a:bodyPr>
-          <a:lstStyle/>
-          <a:p>
-            <a:pPr algn="ctr"/>
-            <a:r>
-              <a:rPr lang="zh-CN" altLang="en-US" sz="4200" b="1" dirty="0">
-                <a:solidFill>
-                  <a:schemeClr val="tx2"/>
-                </a:solidFill>
-                <a:latin typeface="Lato Black" charset="0"/>
-                <a:ea typeface="Lato Black" charset="0"/>
-                <a:cs typeface="Lato Black" charset="0"/>
-              </a:rPr>
-              <a:t>数据定制服务</a:t>
-            </a:r>
-            <a:endParaRPr lang="en-US" sz="4200" b="1" dirty="0">
-              <a:solidFill>
-                <a:schemeClr val="tx2"/>
-              </a:solidFill>
-              <a:latin typeface="Lato Black" charset="0"/>
-              <a:ea typeface="Lato Black" charset="0"/>
-              <a:cs typeface="Lato Black" charset="0"/>
-            </a:endParaRPr>
-          </a:p>
-        </p:txBody>
-      </p:sp>
-      <p:sp>
-        <p:nvSpPr>
-          <p:cNvPr id="44" name="TextBox 43"/>
-          <p:cNvSpPr txBox="1"/>
-          <p:nvPr/>
-        </p:nvSpPr>
-        <p:spPr>
-          <a:xfrm>
-            <a:off x="4643404" y="1267352"/>
-            <a:ext cx="2930610" cy="261610"/>
-          </a:xfrm>
-          <a:prstGeom prst="rect">
-            <a:avLst/>
-          </a:prstGeom>
-          <a:noFill/>
-        </p:spPr>
-        <p:txBody>
-          <a:bodyPr wrap="none" rtlCol="0" anchor="ctr" anchorCtr="0">
-            <a:spAutoFit/>
-          </a:bodyPr>
-          <a:lstStyle/>
-          <a:p>
-            <a:pPr algn="ctr"/>
-            <a:r>
-              <a:rPr lang="zh-CN" altLang="en-US" sz="1100" dirty="0">
-                <a:latin typeface="Lato Light" charset="0"/>
-                <a:ea typeface="Lato Light" charset="0"/>
-                <a:cs typeface="Lato Light" charset="0"/>
-              </a:rPr>
-              <a:t>使用</a:t>
-            </a:r>
-            <a:r>
-              <a:rPr lang="en-US" altLang="zh-CN" sz="1100" dirty="0">
-                <a:latin typeface="Lato Light" charset="0"/>
-                <a:ea typeface="Lato Light" charset="0"/>
-                <a:cs typeface="Lato Light" charset="0"/>
-              </a:rPr>
-              <a:t>node.js</a:t>
-            </a:r>
-            <a:r>
-              <a:rPr lang="zh-CN" altLang="en-US" sz="1100" dirty="0">
-                <a:latin typeface="Lato Light" charset="0"/>
-                <a:ea typeface="Lato Light" charset="0"/>
-                <a:cs typeface="Lato Light" charset="0"/>
-              </a:rPr>
-              <a:t>与第五组后台管理系统进行结合</a:t>
-            </a:r>
-            <a:endParaRPr lang="en-US" sz="1100" dirty="0">
-              <a:latin typeface="Lato Light" charset="0"/>
-              <a:ea typeface="Lato Light" charset="0"/>
-              <a:cs typeface="Lato Light" charset="0"/>
-            </a:endParaRPr>
-          </a:p>
-        </p:txBody>
-      </p:sp>
-      <p:cxnSp>
-        <p:nvCxnSpPr>
-          <p:cNvPr id="45" name="Straight Connector 44"/>
-          <p:cNvCxnSpPr/>
-          <p:nvPr/>
-        </p:nvCxnSpPr>
-        <p:spPr>
-          <a:xfrm>
-            <a:off x="5805926" y="419100"/>
-            <a:ext cx="596462" cy="0"/>
-          </a:xfrm>
-          <a:prstGeom prst="line">
-            <a:avLst/>
-          </a:prstGeom>
-          <a:ln w="57150">
-            <a:solidFill>
-              <a:schemeClr val="accent1"/>
-            </a:solidFill>
-          </a:ln>
-        </p:spPr>
-        <p:style>
-          <a:lnRef idx="1">
-            <a:schemeClr val="accent1"/>
-          </a:lnRef>
-          <a:fillRef idx="0">
-            <a:schemeClr val="accent1"/>
-          </a:fillRef>
-          <a:effectRef idx="0">
-            <a:schemeClr val="accent1"/>
-          </a:effectRef>
-          <a:fontRef idx="minor">
-            <a:schemeClr val="tx1"/>
-          </a:fontRef>
-        </p:style>
-      </p:cxnSp>
-      <p:sp>
-        <p:nvSpPr>
-          <p:cNvPr id="20" name="Subtitle 2"/>
-          <p:cNvSpPr txBox="1">
-            <a:spLocks/>
-          </p:cNvSpPr>
-          <p:nvPr/>
-        </p:nvSpPr>
-        <p:spPr>
-          <a:xfrm>
-            <a:off x="7407732" y="4569030"/>
-            <a:ext cx="3683020" cy="611612"/>
-          </a:xfrm>
-          <a:prstGeom prst="rect">
-            <a:avLst/>
-          </a:prstGeom>
-        </p:spPr>
-        <p:txBody>
-          <a:bodyPr vert="horz" wrap="square" lIns="108745" tIns="54373" rIns="108745" bIns="54373" rtlCol="0">
-            <a:spAutoFit/>
-          </a:bodyPr>
-          <a:lstStyle>
-            <a:lvl1pPr marL="0" indent="0" algn="ctr" defTabSz="1087636" rtl="0" eaLnBrk="1" latinLnBrk="0" hangingPunct="1">
-              <a:lnSpc>
-                <a:spcPct val="120000"/>
-              </a:lnSpc>
-              <a:spcBef>
-                <a:spcPct val="20000"/>
-              </a:spcBef>
-              <a:buFont typeface="Arial"/>
-              <a:buNone/>
-              <a:defRPr sz="2400" kern="1200">
-                <a:solidFill>
-                  <a:schemeClr val="tx2"/>
-                </a:solidFill>
-                <a:latin typeface="Open Sans Light"/>
-                <a:ea typeface="+mn-ea"/>
-                <a:cs typeface="Open Sans Light"/>
-              </a:defRPr>
-            </a:lvl1pPr>
-            <a:lvl2pPr marL="1087636" indent="0" algn="ctr" defTabSz="1087636" rtl="0" eaLnBrk="1" latinLnBrk="0" hangingPunct="1">
-              <a:lnSpc>
-                <a:spcPct val="130000"/>
-              </a:lnSpc>
-              <a:spcBef>
-                <a:spcPct val="20000"/>
-              </a:spcBef>
-              <a:buFont typeface="Arial"/>
-              <a:buNone/>
-              <a:defRPr sz="3200" kern="1200">
-                <a:solidFill>
-                  <a:schemeClr val="tx1">
-                    <a:tint val="75000"/>
-                  </a:schemeClr>
-                </a:solidFill>
-                <a:latin typeface="Open Sans"/>
-                <a:ea typeface="+mn-ea"/>
-                <a:cs typeface="Open Sans"/>
-              </a:defRPr>
-            </a:lvl2pPr>
-            <a:lvl3pPr marL="2175271" indent="0" algn="ctr" defTabSz="1087636" rtl="0" eaLnBrk="1" latinLnBrk="0" hangingPunct="1">
-              <a:lnSpc>
-                <a:spcPct val="130000"/>
-              </a:lnSpc>
-              <a:spcBef>
-                <a:spcPct val="20000"/>
-              </a:spcBef>
-              <a:buFont typeface="Arial"/>
-              <a:buNone/>
-              <a:defRPr sz="3200" kern="1200">
-                <a:solidFill>
-                  <a:schemeClr val="tx1">
-                    <a:tint val="75000"/>
-                  </a:schemeClr>
-                </a:solidFill>
-                <a:latin typeface="Open Sans"/>
-                <a:ea typeface="+mn-ea"/>
-                <a:cs typeface="Open Sans"/>
-              </a:defRPr>
-            </a:lvl3pPr>
-            <a:lvl4pPr marL="3262912" indent="0" algn="ctr" defTabSz="1087636" rtl="0" eaLnBrk="1" latinLnBrk="0" hangingPunct="1">
-              <a:lnSpc>
-                <a:spcPct val="130000"/>
-              </a:lnSpc>
-              <a:spcBef>
-                <a:spcPct val="20000"/>
-              </a:spcBef>
-              <a:buFont typeface="Arial"/>
-              <a:buNone/>
-              <a:defRPr sz="3200" kern="1200">
-                <a:solidFill>
-                  <a:schemeClr val="tx1">
-                    <a:tint val="75000"/>
-                  </a:schemeClr>
-                </a:solidFill>
-                <a:latin typeface="Open Sans"/>
-                <a:ea typeface="+mn-ea"/>
-                <a:cs typeface="Open Sans"/>
-              </a:defRPr>
-            </a:lvl4pPr>
-            <a:lvl5pPr marL="4350546" indent="0" algn="ctr" defTabSz="1087636" rtl="0" eaLnBrk="1" latinLnBrk="0" hangingPunct="1">
-              <a:lnSpc>
-                <a:spcPct val="130000"/>
-              </a:lnSpc>
-              <a:spcBef>
-                <a:spcPct val="20000"/>
-              </a:spcBef>
-              <a:buFont typeface="Arial"/>
-              <a:buNone/>
-              <a:defRPr sz="3200" kern="1200">
-                <a:solidFill>
-                  <a:schemeClr val="tx1">
-                    <a:tint val="75000"/>
-                  </a:schemeClr>
-                </a:solidFill>
-                <a:latin typeface="Open Sans"/>
-                <a:ea typeface="+mn-ea"/>
-                <a:cs typeface="Open Sans"/>
-              </a:defRPr>
-            </a:lvl5pPr>
-            <a:lvl6pPr marL="5438184" indent="0" algn="ctr" defTabSz="1087636" rtl="0" eaLnBrk="1" latinLnBrk="0" hangingPunct="1">
-              <a:spcBef>
-                <a:spcPct val="20000"/>
-              </a:spcBef>
-              <a:buFont typeface="Arial"/>
-              <a:buNone/>
-              <a:defRPr sz="4800" kern="1200">
-                <a:solidFill>
-                  <a:schemeClr val="tx1">
-                    <a:tint val="75000"/>
-                  </a:schemeClr>
-                </a:solidFill>
-                <a:latin typeface="+mn-lt"/>
-                <a:ea typeface="+mn-ea"/>
-                <a:cs typeface="+mn-cs"/>
-              </a:defRPr>
-            </a:lvl6pPr>
-            <a:lvl7pPr marL="6525820" indent="0" algn="ctr" defTabSz="1087636" rtl="0" eaLnBrk="1" latinLnBrk="0" hangingPunct="1">
-              <a:spcBef>
-                <a:spcPct val="20000"/>
-              </a:spcBef>
-              <a:buFont typeface="Arial"/>
-              <a:buNone/>
-              <a:defRPr sz="4800" kern="1200">
-                <a:solidFill>
-                  <a:schemeClr val="tx1">
-                    <a:tint val="75000"/>
-                  </a:schemeClr>
-                </a:solidFill>
-                <a:latin typeface="+mn-lt"/>
-                <a:ea typeface="+mn-ea"/>
-                <a:cs typeface="+mn-cs"/>
-              </a:defRPr>
-            </a:lvl7pPr>
-            <a:lvl8pPr marL="7613455" indent="0" algn="ctr" defTabSz="1087636" rtl="0" eaLnBrk="1" latinLnBrk="0" hangingPunct="1">
-              <a:spcBef>
-                <a:spcPct val="20000"/>
-              </a:spcBef>
-              <a:buFont typeface="Arial"/>
-              <a:buNone/>
-              <a:defRPr sz="4800" kern="1200">
-                <a:solidFill>
-                  <a:schemeClr val="tx1">
-                    <a:tint val="75000"/>
-                  </a:schemeClr>
-                </a:solidFill>
-                <a:latin typeface="+mn-lt"/>
-                <a:ea typeface="+mn-ea"/>
-                <a:cs typeface="+mn-cs"/>
-              </a:defRPr>
-            </a:lvl8pPr>
-            <a:lvl9pPr marL="8701091" indent="0" algn="ctr" defTabSz="1087636" rtl="0" eaLnBrk="1" latinLnBrk="0" hangingPunct="1">
-              <a:spcBef>
-                <a:spcPct val="20000"/>
-              </a:spcBef>
-              <a:buFont typeface="Arial"/>
-              <a:buNone/>
-              <a:defRPr sz="4800" kern="1200">
-                <a:solidFill>
-                  <a:schemeClr val="tx1">
-                    <a:tint val="75000"/>
-                  </a:schemeClr>
-                </a:solidFill>
-                <a:latin typeface="+mn-lt"/>
-                <a:ea typeface="+mn-ea"/>
-                <a:cs typeface="+mn-cs"/>
-              </a:defRPr>
-            </a:lvl9pPr>
-          </a:lstStyle>
-          <a:p>
-            <a:pPr algn="just">
-              <a:lnSpc>
-                <a:spcPts val="2020"/>
-              </a:lnSpc>
-            </a:pPr>
-            <a:r>
-              <a:rPr lang="zh-CN" altLang="en-US" sz="1600" dirty="0">
-                <a:solidFill>
-                  <a:schemeClr val="tx1"/>
-                </a:solidFill>
-                <a:latin typeface="Poppins Light" charset="0"/>
-                <a:ea typeface="Poppins Light" charset="0"/>
-                <a:cs typeface="Poppins Light" charset="0"/>
-              </a:rPr>
-              <a:t>根据指定的博物馆</a:t>
-            </a:r>
-            <a:r>
-              <a:rPr lang="en-US" altLang="zh-CN" sz="1600" dirty="0">
-                <a:solidFill>
-                  <a:schemeClr val="tx1"/>
-                </a:solidFill>
-                <a:latin typeface="Poppins Light" charset="0"/>
-                <a:ea typeface="Poppins Light" charset="0"/>
-                <a:cs typeface="Poppins Light" charset="0"/>
-              </a:rPr>
-              <a:t>id</a:t>
-            </a:r>
-            <a:r>
-              <a:rPr lang="zh-CN" altLang="en-US" sz="1600" dirty="0">
-                <a:solidFill>
-                  <a:schemeClr val="tx1"/>
-                </a:solidFill>
-                <a:latin typeface="Poppins Light" charset="0"/>
-                <a:ea typeface="Poppins Light" charset="0"/>
-                <a:cs typeface="Poppins Light" charset="0"/>
-              </a:rPr>
-              <a:t>、新闻的起始时间、新闻的正负，得到所需新闻的请求结果。</a:t>
-            </a:r>
-            <a:endParaRPr lang="en-US" sz="1600" dirty="0">
-              <a:solidFill>
-                <a:schemeClr val="tx1"/>
-              </a:solidFill>
-              <a:latin typeface="Poppins Light" charset="0"/>
-              <a:ea typeface="Poppins Light" charset="0"/>
-              <a:cs typeface="Poppins Light" charset="0"/>
-            </a:endParaRPr>
-          </a:p>
-        </p:txBody>
-      </p:sp>
-      <p:sp>
-        <p:nvSpPr>
-          <p:cNvPr id="21" name="Rectangle 20"/>
-          <p:cNvSpPr/>
-          <p:nvPr/>
-        </p:nvSpPr>
-        <p:spPr>
-          <a:xfrm>
-            <a:off x="326520" y="1658542"/>
-            <a:ext cx="2095062" cy="346467"/>
-          </a:xfrm>
-          <a:prstGeom prst="rect">
-            <a:avLst/>
-          </a:prstGeom>
-          <a:noFill/>
-          <a:ln w="57150">
-            <a:solidFill>
-              <a:schemeClr val="accent1"/>
-            </a:solidFill>
-          </a:ln>
-        </p:spPr>
-        <p:style>
-          <a:lnRef idx="2">
-            <a:schemeClr val="accent1">
-              <a:shade val="50000"/>
-            </a:schemeClr>
-          </a:lnRef>
-          <a:fillRef idx="1">
-            <a:schemeClr val="accent1"/>
-          </a:fillRef>
-          <a:effectRef idx="0">
-            <a:schemeClr val="accent1"/>
-          </a:effectRef>
-          <a:fontRef idx="minor">
-            <a:schemeClr val="lt1"/>
-          </a:fontRef>
-        </p:style>
-        <p:txBody>
-          <a:bodyPr rtlCol="0" anchor="ctr"/>
-          <a:lstStyle/>
-          <a:p>
-            <a:pPr algn="ctr"/>
-            <a:endParaRPr lang="en-US" sz="900"/>
-          </a:p>
-        </p:txBody>
-      </p:sp>
-      <p:sp>
-        <p:nvSpPr>
-          <p:cNvPr id="22" name="TextBox 21"/>
-          <p:cNvSpPr txBox="1"/>
-          <p:nvPr/>
-        </p:nvSpPr>
-        <p:spPr>
-          <a:xfrm>
-            <a:off x="796007" y="1677886"/>
-            <a:ext cx="1156086" cy="307777"/>
-          </a:xfrm>
-          <a:prstGeom prst="rect">
-            <a:avLst/>
-          </a:prstGeom>
-          <a:noFill/>
-        </p:spPr>
-        <p:txBody>
-          <a:bodyPr wrap="none" rtlCol="0" anchor="ctr" anchorCtr="0">
-            <a:spAutoFit/>
-          </a:bodyPr>
-          <a:lstStyle/>
-          <a:p>
-            <a:pPr algn="ctr"/>
-            <a:r>
-              <a:rPr lang="en-US" altLang="zh-CN" sz="1400" b="1" dirty="0">
-                <a:solidFill>
-                  <a:schemeClr val="tx2"/>
-                </a:solidFill>
-                <a:latin typeface="Poppins SemiBold" charset="0"/>
-                <a:ea typeface="Poppins SemiBold" charset="0"/>
-                <a:cs typeface="Poppins SemiBold" charset="0"/>
-              </a:rPr>
-              <a:t>API</a:t>
-            </a:r>
-            <a:r>
-              <a:rPr lang="zh-CN" altLang="en-US" sz="1400" b="1" dirty="0">
-                <a:solidFill>
-                  <a:schemeClr val="tx2"/>
-                </a:solidFill>
-                <a:latin typeface="Poppins SemiBold" charset="0"/>
-                <a:ea typeface="Poppins SemiBold" charset="0"/>
-                <a:cs typeface="Poppins SemiBold" charset="0"/>
-              </a:rPr>
-              <a:t>请求结果</a:t>
-            </a:r>
-            <a:endParaRPr lang="en-US" sz="1400" b="1" dirty="0">
-              <a:solidFill>
-                <a:schemeClr val="tx2"/>
-              </a:solidFill>
-              <a:latin typeface="Poppins SemiBold" charset="0"/>
-              <a:ea typeface="Poppins SemiBold" charset="0"/>
-              <a:cs typeface="Poppins SemiBold" charset="0"/>
-            </a:endParaRPr>
-          </a:p>
-        </p:txBody>
-      </p:sp>
       <p:pic>
         <p:nvPicPr>
-          <p:cNvPr id="11" name="图片 10">
-            <a:extLst>
-              <a:ext uri="{FF2B5EF4-FFF2-40B4-BE49-F238E27FC236}">
-                <a16:creationId xmlns:a16="http://schemas.microsoft.com/office/drawing/2014/main" id="{C7622A79-7D54-452C-8AE1-CB3AFA605792}"/>
-              </a:ext>
-            </a:extLst>
-          </p:cNvPr>
+          <p:cNvPr id="3" name="Picture Placeholder 2"/>
           <p:cNvPicPr>
-            <a:picLocks noChangeAspect="1"/>
+            <a:picLocks noGrp="1" noChangeAspect="1"/>
           </p:cNvPicPr>
-          <p:nvPr/>
+          <p:nvPr>
+            <p:ph type="pic" sz="quarter" idx="16"/>
+          </p:nvPr>
         </p:nvPicPr>
         <p:blipFill>
-          <a:blip r:embed="rId3">
+          <a:blip r:embed="rId3" cstate="screen">
             <a:extLst>
               <a:ext uri="{28A0092B-C50C-407E-A947-70E740481C1C}">
-                <a14:useLocalDpi xmlns:a14="http://schemas.microsoft.com/office/drawing/2010/main" val="0"/>
+                <a14:useLocalDpi xmlns:a14="http://schemas.microsoft.com/office/drawing/2010/main"/>
               </a:ext>
             </a:extLst>
           </a:blip>
+          <a:srcRect t="30229" b="30229"/>
           <a:stretch>
             <a:fillRect/>
           </a:stretch>
         </p:blipFill>
-        <p:spPr>
-          <a:xfrm>
-            <a:off x="326520" y="2340157"/>
-            <a:ext cx="6411220" cy="3534268"/>
-          </a:xfrm>
-          <a:prstGeom prst="rect">
-            <a:avLst/>
-          </a:prstGeom>
-        </p:spPr>
+        <p:spPr/>
       </p:pic>
-      <p:pic>
-        <p:nvPicPr>
-          <p:cNvPr id="13" name="图片 12">
+      <p:sp>
+        <p:nvSpPr>
+          <p:cNvPr id="2" name="文本框 1">
             <a:extLst>
               <a:ext uri="{FF2B5EF4-FFF2-40B4-BE49-F238E27FC236}">
-                <a16:creationId xmlns:a16="http://schemas.microsoft.com/office/drawing/2014/main" id="{784E5E45-61C7-403A-9634-94D8FA7EF53F}"/>
-              </a:ext>
-            </a:extLst>
-          </p:cNvPr>
-          <p:cNvPicPr>
-            <a:picLocks noChangeAspect="1"/>
-          </p:cNvPicPr>
-          <p:nvPr/>
-        </p:nvPicPr>
-        <p:blipFill>
-          <a:blip r:embed="rId4">
-            <a:extLst>
-              <a:ext uri="{28A0092B-C50C-407E-A947-70E740481C1C}">
-                <a14:useLocalDpi xmlns:a14="http://schemas.microsoft.com/office/drawing/2010/main" val="0"/>
-              </a:ext>
-            </a:extLst>
-          </a:blip>
-          <a:stretch>
-            <a:fillRect/>
-          </a:stretch>
-        </p:blipFill>
-        <p:spPr>
-          <a:xfrm>
-            <a:off x="4517585" y="2141455"/>
-            <a:ext cx="6573167" cy="1733792"/>
-          </a:xfrm>
-          <a:prstGeom prst="rect">
-            <a:avLst/>
-          </a:prstGeom>
-        </p:spPr>
-      </p:pic>
-    </p:spTree>
-    <p:extLst>
-      <p:ext uri="{BB962C8B-B14F-4D97-AF65-F5344CB8AC3E}">
-        <p14:creationId xmlns:p14="http://schemas.microsoft.com/office/powerpoint/2010/main" val="2079130140"/>
-      </p:ext>
-    </p:extLst>
-  </p:cSld>
-  <p:clrMapOvr>
-    <a:masterClrMapping/>
-  </p:clrMapOvr>
-  <mc:AlternateContent xmlns:mc="http://schemas.openxmlformats.org/markup-compatibility/2006" xmlns:p14="http://schemas.microsoft.com/office/powerpoint/2010/main">
-    <mc:Choice Requires="p14">
-      <p:transition p14:dur="0" advClick="0"/>
-    </mc:Choice>
-    <mc:Fallback xmlns="">
-      <p:transition advClick="0"/>
-    </mc:Fallback>
-  </mc:AlternateContent>
-</p:sld>
-</file>
-
-<file path=ppt/slides/slide17.xml><?xml version="1.0" encoding="utf-8"?>
-<p:sld xmlns:a="http://schemas.openxmlformats.org/drawingml/2006/main" xmlns:r="http://schemas.openxmlformats.org/officeDocument/2006/relationships" xmlns:p="http://schemas.openxmlformats.org/presentationml/2006/main">
-  <p:cSld>
-    <p:spTree>
-      <p:nvGrpSpPr>
-        <p:cNvPr id="1" name=""/>
-        <p:cNvGrpSpPr/>
-        <p:nvPr/>
-      </p:nvGrpSpPr>
-      <p:grpSpPr>
-        <a:xfrm>
-          <a:off x="0" y="0"/>
-          <a:ext cx="0" cy="0"/>
-          <a:chOff x="0" y="0"/>
-          <a:chExt cx="0" cy="0"/>
-        </a:xfrm>
-      </p:grpSpPr>
-      <p:sp>
-        <p:nvSpPr>
-          <p:cNvPr id="4" name="TextBox 42">
-            <a:extLst>
-              <a:ext uri="{FF2B5EF4-FFF2-40B4-BE49-F238E27FC236}">
-                <a16:creationId xmlns:a16="http://schemas.microsoft.com/office/drawing/2014/main" id="{3FC1F486-C3C8-440D-97DF-2737DAC4BDFF}"/>
+                <a16:creationId xmlns:a16="http://schemas.microsoft.com/office/drawing/2014/main" id="{CCCA2FBE-05A3-43AF-9F9E-3ACEA6471B65}"/>
               </a:ext>
             </a:extLst>
           </p:cNvPr>
@@ -13648,277 +14100,8 @@
         </p:nvSpPr>
         <p:spPr>
           <a:xfrm>
-            <a:off x="3041332" y="584729"/>
-            <a:ext cx="6109365" cy="738664"/>
-          </a:xfrm>
-          <a:prstGeom prst="rect">
-            <a:avLst/>
-          </a:prstGeom>
-          <a:noFill/>
-        </p:spPr>
-        <p:txBody>
-          <a:bodyPr wrap="none" rtlCol="0">
-            <a:spAutoFit/>
-          </a:bodyPr>
-          <a:lstStyle/>
-          <a:p>
-            <a:pPr algn="ctr"/>
-            <a:r>
-              <a:rPr lang="zh-CN" altLang="en-US" sz="4200" b="1" dirty="0">
-                <a:solidFill>
-                  <a:schemeClr val="tx2"/>
-                </a:solidFill>
-                <a:latin typeface="Lato Black" charset="0"/>
-                <a:ea typeface="Lato Black" charset="0"/>
-                <a:cs typeface="Lato Black" charset="0"/>
-              </a:rPr>
-              <a:t>将爬虫项目部署到服务器</a:t>
-            </a:r>
-            <a:endParaRPr lang="en-US" sz="4200" b="1" dirty="0">
-              <a:solidFill>
-                <a:schemeClr val="tx2"/>
-              </a:solidFill>
-              <a:latin typeface="Lato Black" charset="0"/>
-              <a:ea typeface="Lato Black" charset="0"/>
-              <a:cs typeface="Lato Black" charset="0"/>
-            </a:endParaRPr>
-          </a:p>
-        </p:txBody>
-      </p:sp>
-      <p:cxnSp>
-        <p:nvCxnSpPr>
-          <p:cNvPr id="6" name="Straight Connector 44">
-            <a:extLst>
-              <a:ext uri="{FF2B5EF4-FFF2-40B4-BE49-F238E27FC236}">
-                <a16:creationId xmlns:a16="http://schemas.microsoft.com/office/drawing/2014/main" id="{0D76727A-703D-4FC1-B1AE-ECDF020D97D0}"/>
-              </a:ext>
-            </a:extLst>
-          </p:cNvPr>
-          <p:cNvCxnSpPr/>
-          <p:nvPr/>
-        </p:nvCxnSpPr>
-        <p:spPr>
-          <a:xfrm>
-            <a:off x="5805926" y="419100"/>
-            <a:ext cx="596462" cy="0"/>
-          </a:xfrm>
-          <a:prstGeom prst="line">
-            <a:avLst/>
-          </a:prstGeom>
-          <a:ln w="57150">
-            <a:solidFill>
-              <a:schemeClr val="accent1"/>
-            </a:solidFill>
-          </a:ln>
-        </p:spPr>
-        <p:style>
-          <a:lnRef idx="1">
-            <a:schemeClr val="accent1"/>
-          </a:lnRef>
-          <a:fillRef idx="0">
-            <a:schemeClr val="accent1"/>
-          </a:fillRef>
-          <a:effectRef idx="0">
-            <a:schemeClr val="accent1"/>
-          </a:effectRef>
-          <a:fontRef idx="minor">
-            <a:schemeClr val="tx1"/>
-          </a:fontRef>
-        </p:style>
-      </p:cxnSp>
-      <p:pic>
-        <p:nvPicPr>
-          <p:cNvPr id="7" name="图片 6">
-            <a:extLst>
-              <a:ext uri="{FF2B5EF4-FFF2-40B4-BE49-F238E27FC236}">
-                <a16:creationId xmlns:a16="http://schemas.microsoft.com/office/drawing/2014/main" id="{69BCC4C0-3C4B-4EAC-8B57-885212EE3649}"/>
-              </a:ext>
-            </a:extLst>
-          </p:cNvPr>
-          <p:cNvPicPr>
-            <a:picLocks noChangeAspect="1"/>
-          </p:cNvPicPr>
-          <p:nvPr/>
-        </p:nvPicPr>
-        <p:blipFill>
-          <a:blip r:embed="rId2">
-            <a:extLst>
-              <a:ext uri="{28A0092B-C50C-407E-A947-70E740481C1C}">
-                <a14:useLocalDpi xmlns:a14="http://schemas.microsoft.com/office/drawing/2010/main" val="0"/>
-              </a:ext>
-            </a:extLst>
-          </a:blip>
-          <a:stretch>
-            <a:fillRect/>
-          </a:stretch>
-        </p:blipFill>
-        <p:spPr>
-          <a:xfrm>
-            <a:off x="1457156" y="1747343"/>
-            <a:ext cx="8697539" cy="2448267"/>
-          </a:xfrm>
-          <a:prstGeom prst="rect">
-            <a:avLst/>
-          </a:prstGeom>
-        </p:spPr>
-      </p:pic>
-      <p:pic>
-        <p:nvPicPr>
-          <p:cNvPr id="9" name="图片 8">
-            <a:extLst>
-              <a:ext uri="{FF2B5EF4-FFF2-40B4-BE49-F238E27FC236}">
-                <a16:creationId xmlns:a16="http://schemas.microsoft.com/office/drawing/2014/main" id="{B89E16FA-3C48-4752-A2E6-2440441BCBF0}"/>
-              </a:ext>
-            </a:extLst>
-          </p:cNvPr>
-          <p:cNvPicPr>
-            <a:picLocks noChangeAspect="1"/>
-          </p:cNvPicPr>
-          <p:nvPr/>
-        </p:nvPicPr>
-        <p:blipFill>
-          <a:blip r:embed="rId3">
-            <a:extLst>
-              <a:ext uri="{28A0092B-C50C-407E-A947-70E740481C1C}">
-                <a14:useLocalDpi xmlns:a14="http://schemas.microsoft.com/office/drawing/2010/main" val="0"/>
-              </a:ext>
-            </a:extLst>
-          </a:blip>
-          <a:stretch>
-            <a:fillRect/>
-          </a:stretch>
-        </p:blipFill>
-        <p:spPr>
-          <a:xfrm>
-            <a:off x="1457156" y="4619560"/>
-            <a:ext cx="8792802" cy="933580"/>
-          </a:xfrm>
-          <a:prstGeom prst="rect">
-            <a:avLst/>
-          </a:prstGeom>
-        </p:spPr>
-      </p:pic>
-    </p:spTree>
-    <p:extLst>
-      <p:ext uri="{BB962C8B-B14F-4D97-AF65-F5344CB8AC3E}">
-        <p14:creationId xmlns:p14="http://schemas.microsoft.com/office/powerpoint/2010/main" val="3706131897"/>
-      </p:ext>
-    </p:extLst>
-  </p:cSld>
-  <p:clrMapOvr>
-    <a:masterClrMapping/>
-  </p:clrMapOvr>
-  <p:transition/>
-</p:sld>
-</file>
-
-<file path=ppt/slides/slide18.xml><?xml version="1.0" encoding="utf-8"?>
-<p:sld xmlns:a="http://schemas.openxmlformats.org/drawingml/2006/main" xmlns:r="http://schemas.openxmlformats.org/officeDocument/2006/relationships" xmlns:p="http://schemas.openxmlformats.org/presentationml/2006/main">
-  <p:cSld>
-    <p:spTree>
-      <p:nvGrpSpPr>
-        <p:cNvPr id="1" name=""/>
-        <p:cNvGrpSpPr/>
-        <p:nvPr/>
-      </p:nvGrpSpPr>
-      <p:grpSpPr>
-        <a:xfrm>
-          <a:off x="0" y="0"/>
-          <a:ext cx="0" cy="0"/>
-          <a:chOff x="0" y="0"/>
-          <a:chExt cx="0" cy="0"/>
-        </a:xfrm>
-      </p:grpSpPr>
-      <p:sp>
-        <p:nvSpPr>
-          <p:cNvPr id="43" name="TextBox 42"/>
-          <p:cNvSpPr txBox="1"/>
-          <p:nvPr/>
-        </p:nvSpPr>
-        <p:spPr>
-          <a:xfrm>
-            <a:off x="3041327" y="584729"/>
-            <a:ext cx="6109365" cy="738664"/>
-          </a:xfrm>
-          <a:prstGeom prst="rect">
-            <a:avLst/>
-          </a:prstGeom>
-          <a:noFill/>
-        </p:spPr>
-        <p:txBody>
-          <a:bodyPr wrap="none" rtlCol="0">
-            <a:spAutoFit/>
-          </a:bodyPr>
-          <a:lstStyle/>
-          <a:p>
-            <a:pPr algn="ctr"/>
-            <a:r>
-              <a:rPr lang="zh-CN" altLang="en-US" sz="4200" b="1" dirty="0">
-                <a:solidFill>
-                  <a:schemeClr val="tx2"/>
-                </a:solidFill>
-                <a:latin typeface="Lato Black" charset="0"/>
-                <a:ea typeface="Lato Black" charset="0"/>
-                <a:cs typeface="Lato Black" charset="0"/>
-              </a:rPr>
-              <a:t>技术难点与需要改进之处</a:t>
-            </a:r>
-            <a:endParaRPr lang="en-US" sz="4200" b="1" dirty="0">
-              <a:solidFill>
-                <a:schemeClr val="tx2"/>
-              </a:solidFill>
-              <a:latin typeface="Lato Black" charset="0"/>
-              <a:ea typeface="Lato Black" charset="0"/>
-              <a:cs typeface="Lato Black" charset="0"/>
-            </a:endParaRPr>
-          </a:p>
-        </p:txBody>
-      </p:sp>
-      <p:cxnSp>
-        <p:nvCxnSpPr>
-          <p:cNvPr id="45" name="Straight Connector 44"/>
-          <p:cNvCxnSpPr/>
-          <p:nvPr/>
-        </p:nvCxnSpPr>
-        <p:spPr>
-          <a:xfrm>
-            <a:off x="5805926" y="419100"/>
-            <a:ext cx="596462" cy="0"/>
-          </a:xfrm>
-          <a:prstGeom prst="line">
-            <a:avLst/>
-          </a:prstGeom>
-          <a:ln w="57150">
-            <a:solidFill>
-              <a:schemeClr val="accent1"/>
-            </a:solidFill>
-          </a:ln>
-        </p:spPr>
-        <p:style>
-          <a:lnRef idx="1">
-            <a:schemeClr val="accent1"/>
-          </a:lnRef>
-          <a:fillRef idx="0">
-            <a:schemeClr val="accent1"/>
-          </a:fillRef>
-          <a:effectRef idx="0">
-            <a:schemeClr val="accent1"/>
-          </a:effectRef>
-          <a:fontRef idx="minor">
-            <a:schemeClr val="tx1"/>
-          </a:fontRef>
-        </p:style>
-      </p:cxnSp>
-      <p:sp>
-        <p:nvSpPr>
-          <p:cNvPr id="4" name="文本框 3"/>
-          <p:cNvSpPr txBox="1"/>
-          <p:nvPr/>
-        </p:nvSpPr>
-        <p:spPr>
-          <a:xfrm>
-            <a:off x="1514475" y="2124379"/>
-            <a:ext cx="9163050" cy="2246769"/>
+            <a:off x="2736208" y="1241571"/>
+            <a:ext cx="6719582" cy="769441"/>
           </a:xfrm>
           <a:prstGeom prst="rect">
             <a:avLst/>
@@ -13931,67 +14114,21 @@
           </a:bodyPr>
           <a:lstStyle/>
           <a:p>
-            <a:pPr indent="720000"/>
+            <a:pPr algn="ctr"/>
             <a:r>
-              <a:rPr lang="zh-CN" altLang="en-US" sz="2000" dirty="0"/>
-              <a:t>在进行情感分析时，除了使用百度</a:t>
+              <a:rPr lang="zh-CN" altLang="en-US" sz="4400" b="1" dirty="0">
+                <a:latin typeface="黑体" panose="02010609060101010101" pitchFamily="49" charset="-122"/>
+                <a:ea typeface="黑体" panose="02010609060101010101" pitchFamily="49" charset="-122"/>
+              </a:rPr>
+              <a:t>四、数据定制</a:t>
             </a:r>
-            <a:r>
-              <a:rPr lang="en-US" altLang="zh-CN" sz="2000" dirty="0"/>
-              <a:t>API</a:t>
-            </a:r>
-            <a:r>
-              <a:rPr lang="zh-CN" altLang="en-US" sz="2000" dirty="0"/>
-              <a:t>进行情感分析，其他两种方法都是传统的情感分析方法。</a:t>
-            </a:r>
-            <a:endParaRPr lang="en-US" altLang="zh-CN" sz="2000" dirty="0"/>
-          </a:p>
-          <a:p>
-            <a:pPr indent="720000"/>
-            <a:r>
-              <a:rPr lang="zh-CN" altLang="en-US" sz="2000" dirty="0"/>
-              <a:t>由于机器学习中的朴素贝叶斯模型在进行垃圾邮件分类时有着较好的效果，本小组曾试图使用</a:t>
-            </a:r>
-            <a:r>
-              <a:rPr lang="en-US" altLang="zh-CN" sz="2000" dirty="0"/>
-              <a:t>CCF</a:t>
-            </a:r>
-            <a:r>
-              <a:rPr lang="zh-CN" altLang="en-US" sz="2000" dirty="0"/>
-              <a:t>新闻数据集当作训练集，训练</a:t>
-            </a:r>
-            <a:r>
-              <a:rPr lang="en-US" altLang="zh-CN" sz="2000" dirty="0" err="1"/>
-              <a:t>sklearn</a:t>
-            </a:r>
-            <a:r>
-              <a:rPr lang="zh-CN" altLang="en-US" sz="2000" dirty="0"/>
-              <a:t>中的朴素贝叶斯模型，以实现通过机器学习中的监督学习方法实现新闻情感分析。</a:t>
-            </a:r>
-            <a:endParaRPr lang="en-US" altLang="zh-CN" sz="2000" dirty="0"/>
-          </a:p>
-          <a:p>
-            <a:pPr indent="720000"/>
-            <a:r>
-              <a:rPr lang="zh-CN" altLang="en-US" sz="2000" dirty="0"/>
-              <a:t>但是由于数据集的维度不同，最终未能实现通过机器学习进行情感分析的任务。希望日后对机器学习和</a:t>
-            </a:r>
-            <a:r>
-              <a:rPr lang="en-US" altLang="zh-CN" sz="2000" dirty="0" err="1"/>
-              <a:t>sklearn</a:t>
-            </a:r>
-            <a:r>
-              <a:rPr lang="zh-CN" altLang="en-US" sz="2000" dirty="0"/>
-              <a:t>库进行深入研究，以实现更好的情感分析。</a:t>
-            </a:r>
-            <a:endParaRPr lang="en-US" altLang="zh-CN" sz="900" dirty="0"/>
           </a:p>
         </p:txBody>
       </p:sp>
     </p:spTree>
     <p:extLst>
       <p:ext uri="{BB962C8B-B14F-4D97-AF65-F5344CB8AC3E}">
-        <p14:creationId xmlns:p14="http://schemas.microsoft.com/office/powerpoint/2010/main" val="932489664"/>
+        <p14:creationId xmlns:p14="http://schemas.microsoft.com/office/powerpoint/2010/main" val="2127533469"/>
       </p:ext>
     </p:extLst>
   </p:cSld>
@@ -16513,6 +16650,1128 @@
     <p:extLst>
       <p:ext uri="{BB962C8B-B14F-4D97-AF65-F5344CB8AC3E}">
         <p14:creationId xmlns:p14="http://schemas.microsoft.com/office/powerpoint/2010/main" val="515245540"/>
+      </p:ext>
+    </p:extLst>
+  </p:cSld>
+  <p:clrMapOvr>
+    <a:masterClrMapping/>
+  </p:clrMapOvr>
+  <mc:AlternateContent xmlns:mc="http://schemas.openxmlformats.org/markup-compatibility/2006" xmlns:p14="http://schemas.microsoft.com/office/powerpoint/2010/main">
+    <mc:Choice Requires="p14">
+      <p:transition p14:dur="0" advClick="0"/>
+    </mc:Choice>
+    <mc:Fallback xmlns="">
+      <p:transition advClick="0"/>
+    </mc:Fallback>
+  </mc:AlternateContent>
+</p:sld>
+</file>
+
+<file path=ppt/slides/slide20.xml><?xml version="1.0" encoding="utf-8"?>
+<p:sld xmlns:a="http://schemas.openxmlformats.org/drawingml/2006/main" xmlns:r="http://schemas.openxmlformats.org/officeDocument/2006/relationships" xmlns:p="http://schemas.openxmlformats.org/presentationml/2006/main">
+  <p:cSld>
+    <p:spTree>
+      <p:nvGrpSpPr>
+        <p:cNvPr id="1" name=""/>
+        <p:cNvGrpSpPr/>
+        <p:nvPr/>
+      </p:nvGrpSpPr>
+      <p:grpSpPr>
+        <a:xfrm>
+          <a:off x="0" y="0"/>
+          <a:ext cx="0" cy="0"/>
+          <a:chOff x="0" y="0"/>
+          <a:chExt cx="0" cy="0"/>
+        </a:xfrm>
+      </p:grpSpPr>
+      <p:sp>
+        <p:nvSpPr>
+          <p:cNvPr id="43" name="TextBox 42"/>
+          <p:cNvSpPr txBox="1"/>
+          <p:nvPr/>
+        </p:nvSpPr>
+        <p:spPr>
+          <a:xfrm>
+            <a:off x="4387849" y="584729"/>
+            <a:ext cx="3416320" cy="738664"/>
+          </a:xfrm>
+          <a:prstGeom prst="rect">
+            <a:avLst/>
+          </a:prstGeom>
+          <a:noFill/>
+        </p:spPr>
+        <p:txBody>
+          <a:bodyPr wrap="none" rtlCol="0">
+            <a:spAutoFit/>
+          </a:bodyPr>
+          <a:lstStyle/>
+          <a:p>
+            <a:pPr algn="ctr"/>
+            <a:r>
+              <a:rPr lang="zh-CN" altLang="en-US" sz="4200" b="1" dirty="0">
+                <a:solidFill>
+                  <a:schemeClr val="tx2"/>
+                </a:solidFill>
+                <a:latin typeface="Lato Black" charset="0"/>
+                <a:ea typeface="Lato Black" charset="0"/>
+                <a:cs typeface="Lato Black" charset="0"/>
+              </a:rPr>
+              <a:t>数据定制服务</a:t>
+            </a:r>
+            <a:endParaRPr lang="en-US" sz="4200" b="1" dirty="0">
+              <a:solidFill>
+                <a:schemeClr val="tx2"/>
+              </a:solidFill>
+              <a:latin typeface="Lato Black" charset="0"/>
+              <a:ea typeface="Lato Black" charset="0"/>
+              <a:cs typeface="Lato Black" charset="0"/>
+            </a:endParaRPr>
+          </a:p>
+        </p:txBody>
+      </p:sp>
+      <p:sp>
+        <p:nvSpPr>
+          <p:cNvPr id="44" name="TextBox 43"/>
+          <p:cNvSpPr txBox="1"/>
+          <p:nvPr/>
+        </p:nvSpPr>
+        <p:spPr>
+          <a:xfrm>
+            <a:off x="4643404" y="1267352"/>
+            <a:ext cx="2930610" cy="261610"/>
+          </a:xfrm>
+          <a:prstGeom prst="rect">
+            <a:avLst/>
+          </a:prstGeom>
+          <a:noFill/>
+        </p:spPr>
+        <p:txBody>
+          <a:bodyPr wrap="none" rtlCol="0" anchor="ctr" anchorCtr="0">
+            <a:spAutoFit/>
+          </a:bodyPr>
+          <a:lstStyle/>
+          <a:p>
+            <a:pPr algn="ctr"/>
+            <a:r>
+              <a:rPr lang="zh-CN" altLang="en-US" sz="1100" dirty="0">
+                <a:latin typeface="Lato Light" charset="0"/>
+                <a:ea typeface="Lato Light" charset="0"/>
+                <a:cs typeface="Lato Light" charset="0"/>
+              </a:rPr>
+              <a:t>使用</a:t>
+            </a:r>
+            <a:r>
+              <a:rPr lang="en-US" altLang="zh-CN" sz="1100" dirty="0">
+                <a:latin typeface="Lato Light" charset="0"/>
+                <a:ea typeface="Lato Light" charset="0"/>
+                <a:cs typeface="Lato Light" charset="0"/>
+              </a:rPr>
+              <a:t>node.js</a:t>
+            </a:r>
+            <a:r>
+              <a:rPr lang="zh-CN" altLang="en-US" sz="1100" dirty="0">
+                <a:latin typeface="Lato Light" charset="0"/>
+                <a:ea typeface="Lato Light" charset="0"/>
+                <a:cs typeface="Lato Light" charset="0"/>
+              </a:rPr>
+              <a:t>与第五组后台管理系统进行结合</a:t>
+            </a:r>
+            <a:endParaRPr lang="en-US" sz="1100" dirty="0">
+              <a:latin typeface="Lato Light" charset="0"/>
+              <a:ea typeface="Lato Light" charset="0"/>
+              <a:cs typeface="Lato Light" charset="0"/>
+            </a:endParaRPr>
+          </a:p>
+        </p:txBody>
+      </p:sp>
+      <p:cxnSp>
+        <p:nvCxnSpPr>
+          <p:cNvPr id="45" name="Straight Connector 44"/>
+          <p:cNvCxnSpPr/>
+          <p:nvPr/>
+        </p:nvCxnSpPr>
+        <p:spPr>
+          <a:xfrm>
+            <a:off x="5805926" y="419100"/>
+            <a:ext cx="596462" cy="0"/>
+          </a:xfrm>
+          <a:prstGeom prst="line">
+            <a:avLst/>
+          </a:prstGeom>
+          <a:ln w="57150">
+            <a:solidFill>
+              <a:schemeClr val="accent1"/>
+            </a:solidFill>
+          </a:ln>
+        </p:spPr>
+        <p:style>
+          <a:lnRef idx="1">
+            <a:schemeClr val="accent1"/>
+          </a:lnRef>
+          <a:fillRef idx="0">
+            <a:schemeClr val="accent1"/>
+          </a:fillRef>
+          <a:effectRef idx="0">
+            <a:schemeClr val="accent1"/>
+          </a:effectRef>
+          <a:fontRef idx="minor">
+            <a:schemeClr val="tx1"/>
+          </a:fontRef>
+        </p:style>
+      </p:cxnSp>
+      <p:sp>
+        <p:nvSpPr>
+          <p:cNvPr id="20" name="Subtitle 2"/>
+          <p:cNvSpPr txBox="1">
+            <a:spLocks/>
+          </p:cNvSpPr>
+          <p:nvPr/>
+        </p:nvSpPr>
+        <p:spPr>
+          <a:xfrm>
+            <a:off x="7407732" y="4569030"/>
+            <a:ext cx="3683020" cy="611612"/>
+          </a:xfrm>
+          <a:prstGeom prst="rect">
+            <a:avLst/>
+          </a:prstGeom>
+        </p:spPr>
+        <p:txBody>
+          <a:bodyPr vert="horz" wrap="square" lIns="108745" tIns="54373" rIns="108745" bIns="54373" rtlCol="0">
+            <a:spAutoFit/>
+          </a:bodyPr>
+          <a:lstStyle>
+            <a:lvl1pPr marL="0" indent="0" algn="ctr" defTabSz="1087636" rtl="0" eaLnBrk="1" latinLnBrk="0" hangingPunct="1">
+              <a:lnSpc>
+                <a:spcPct val="120000"/>
+              </a:lnSpc>
+              <a:spcBef>
+                <a:spcPct val="20000"/>
+              </a:spcBef>
+              <a:buFont typeface="Arial"/>
+              <a:buNone/>
+              <a:defRPr sz="2400" kern="1200">
+                <a:solidFill>
+                  <a:schemeClr val="tx2"/>
+                </a:solidFill>
+                <a:latin typeface="Open Sans Light"/>
+                <a:ea typeface="+mn-ea"/>
+                <a:cs typeface="Open Sans Light"/>
+              </a:defRPr>
+            </a:lvl1pPr>
+            <a:lvl2pPr marL="1087636" indent="0" algn="ctr" defTabSz="1087636" rtl="0" eaLnBrk="1" latinLnBrk="0" hangingPunct="1">
+              <a:lnSpc>
+                <a:spcPct val="130000"/>
+              </a:lnSpc>
+              <a:spcBef>
+                <a:spcPct val="20000"/>
+              </a:spcBef>
+              <a:buFont typeface="Arial"/>
+              <a:buNone/>
+              <a:defRPr sz="3200" kern="1200">
+                <a:solidFill>
+                  <a:schemeClr val="tx1">
+                    <a:tint val="75000"/>
+                  </a:schemeClr>
+                </a:solidFill>
+                <a:latin typeface="Open Sans"/>
+                <a:ea typeface="+mn-ea"/>
+                <a:cs typeface="Open Sans"/>
+              </a:defRPr>
+            </a:lvl2pPr>
+            <a:lvl3pPr marL="2175271" indent="0" algn="ctr" defTabSz="1087636" rtl="0" eaLnBrk="1" latinLnBrk="0" hangingPunct="1">
+              <a:lnSpc>
+                <a:spcPct val="130000"/>
+              </a:lnSpc>
+              <a:spcBef>
+                <a:spcPct val="20000"/>
+              </a:spcBef>
+              <a:buFont typeface="Arial"/>
+              <a:buNone/>
+              <a:defRPr sz="3200" kern="1200">
+                <a:solidFill>
+                  <a:schemeClr val="tx1">
+                    <a:tint val="75000"/>
+                  </a:schemeClr>
+                </a:solidFill>
+                <a:latin typeface="Open Sans"/>
+                <a:ea typeface="+mn-ea"/>
+                <a:cs typeface="Open Sans"/>
+              </a:defRPr>
+            </a:lvl3pPr>
+            <a:lvl4pPr marL="3262912" indent="0" algn="ctr" defTabSz="1087636" rtl="0" eaLnBrk="1" latinLnBrk="0" hangingPunct="1">
+              <a:lnSpc>
+                <a:spcPct val="130000"/>
+              </a:lnSpc>
+              <a:spcBef>
+                <a:spcPct val="20000"/>
+              </a:spcBef>
+              <a:buFont typeface="Arial"/>
+              <a:buNone/>
+              <a:defRPr sz="3200" kern="1200">
+                <a:solidFill>
+                  <a:schemeClr val="tx1">
+                    <a:tint val="75000"/>
+                  </a:schemeClr>
+                </a:solidFill>
+                <a:latin typeface="Open Sans"/>
+                <a:ea typeface="+mn-ea"/>
+                <a:cs typeface="Open Sans"/>
+              </a:defRPr>
+            </a:lvl4pPr>
+            <a:lvl5pPr marL="4350546" indent="0" algn="ctr" defTabSz="1087636" rtl="0" eaLnBrk="1" latinLnBrk="0" hangingPunct="1">
+              <a:lnSpc>
+                <a:spcPct val="130000"/>
+              </a:lnSpc>
+              <a:spcBef>
+                <a:spcPct val="20000"/>
+              </a:spcBef>
+              <a:buFont typeface="Arial"/>
+              <a:buNone/>
+              <a:defRPr sz="3200" kern="1200">
+                <a:solidFill>
+                  <a:schemeClr val="tx1">
+                    <a:tint val="75000"/>
+                  </a:schemeClr>
+                </a:solidFill>
+                <a:latin typeface="Open Sans"/>
+                <a:ea typeface="+mn-ea"/>
+                <a:cs typeface="Open Sans"/>
+              </a:defRPr>
+            </a:lvl5pPr>
+            <a:lvl6pPr marL="5438184" indent="0" algn="ctr" defTabSz="1087636" rtl="0" eaLnBrk="1" latinLnBrk="0" hangingPunct="1">
+              <a:spcBef>
+                <a:spcPct val="20000"/>
+              </a:spcBef>
+              <a:buFont typeface="Arial"/>
+              <a:buNone/>
+              <a:defRPr sz="4800" kern="1200">
+                <a:solidFill>
+                  <a:schemeClr val="tx1">
+                    <a:tint val="75000"/>
+                  </a:schemeClr>
+                </a:solidFill>
+                <a:latin typeface="+mn-lt"/>
+                <a:ea typeface="+mn-ea"/>
+                <a:cs typeface="+mn-cs"/>
+              </a:defRPr>
+            </a:lvl6pPr>
+            <a:lvl7pPr marL="6525820" indent="0" algn="ctr" defTabSz="1087636" rtl="0" eaLnBrk="1" latinLnBrk="0" hangingPunct="1">
+              <a:spcBef>
+                <a:spcPct val="20000"/>
+              </a:spcBef>
+              <a:buFont typeface="Arial"/>
+              <a:buNone/>
+              <a:defRPr sz="4800" kern="1200">
+                <a:solidFill>
+                  <a:schemeClr val="tx1">
+                    <a:tint val="75000"/>
+                  </a:schemeClr>
+                </a:solidFill>
+                <a:latin typeface="+mn-lt"/>
+                <a:ea typeface="+mn-ea"/>
+                <a:cs typeface="+mn-cs"/>
+              </a:defRPr>
+            </a:lvl7pPr>
+            <a:lvl8pPr marL="7613455" indent="0" algn="ctr" defTabSz="1087636" rtl="0" eaLnBrk="1" latinLnBrk="0" hangingPunct="1">
+              <a:spcBef>
+                <a:spcPct val="20000"/>
+              </a:spcBef>
+              <a:buFont typeface="Arial"/>
+              <a:buNone/>
+              <a:defRPr sz="4800" kern="1200">
+                <a:solidFill>
+                  <a:schemeClr val="tx1">
+                    <a:tint val="75000"/>
+                  </a:schemeClr>
+                </a:solidFill>
+                <a:latin typeface="+mn-lt"/>
+                <a:ea typeface="+mn-ea"/>
+                <a:cs typeface="+mn-cs"/>
+              </a:defRPr>
+            </a:lvl8pPr>
+            <a:lvl9pPr marL="8701091" indent="0" algn="ctr" defTabSz="1087636" rtl="0" eaLnBrk="1" latinLnBrk="0" hangingPunct="1">
+              <a:spcBef>
+                <a:spcPct val="20000"/>
+              </a:spcBef>
+              <a:buFont typeface="Arial"/>
+              <a:buNone/>
+              <a:defRPr sz="4800" kern="1200">
+                <a:solidFill>
+                  <a:schemeClr val="tx1">
+                    <a:tint val="75000"/>
+                  </a:schemeClr>
+                </a:solidFill>
+                <a:latin typeface="+mn-lt"/>
+                <a:ea typeface="+mn-ea"/>
+                <a:cs typeface="+mn-cs"/>
+              </a:defRPr>
+            </a:lvl9pPr>
+          </a:lstStyle>
+          <a:p>
+            <a:pPr algn="just">
+              <a:lnSpc>
+                <a:spcPts val="2020"/>
+              </a:lnSpc>
+            </a:pPr>
+            <a:r>
+              <a:rPr lang="zh-CN" altLang="en-US" sz="1600" dirty="0">
+                <a:solidFill>
+                  <a:schemeClr val="tx1"/>
+                </a:solidFill>
+                <a:latin typeface="Poppins Light" charset="0"/>
+                <a:ea typeface="Poppins Light" charset="0"/>
+                <a:cs typeface="Poppins Light" charset="0"/>
+              </a:rPr>
+              <a:t>根据指定的博物馆</a:t>
+            </a:r>
+            <a:r>
+              <a:rPr lang="en-US" altLang="zh-CN" sz="1600" dirty="0">
+                <a:solidFill>
+                  <a:schemeClr val="tx1"/>
+                </a:solidFill>
+                <a:latin typeface="Poppins Light" charset="0"/>
+                <a:ea typeface="Poppins Light" charset="0"/>
+                <a:cs typeface="Poppins Light" charset="0"/>
+              </a:rPr>
+              <a:t>id</a:t>
+            </a:r>
+            <a:r>
+              <a:rPr lang="zh-CN" altLang="en-US" sz="1600" dirty="0">
+                <a:solidFill>
+                  <a:schemeClr val="tx1"/>
+                </a:solidFill>
+                <a:latin typeface="Poppins Light" charset="0"/>
+                <a:ea typeface="Poppins Light" charset="0"/>
+                <a:cs typeface="Poppins Light" charset="0"/>
+              </a:rPr>
+              <a:t>、新闻的起始时间、新闻的正负，得到所需新闻的请求结果。</a:t>
+            </a:r>
+            <a:endParaRPr lang="en-US" sz="1600" dirty="0">
+              <a:solidFill>
+                <a:schemeClr val="tx1"/>
+              </a:solidFill>
+              <a:latin typeface="Poppins Light" charset="0"/>
+              <a:ea typeface="Poppins Light" charset="0"/>
+              <a:cs typeface="Poppins Light" charset="0"/>
+            </a:endParaRPr>
+          </a:p>
+        </p:txBody>
+      </p:sp>
+      <p:sp>
+        <p:nvSpPr>
+          <p:cNvPr id="21" name="Rectangle 20"/>
+          <p:cNvSpPr/>
+          <p:nvPr/>
+        </p:nvSpPr>
+        <p:spPr>
+          <a:xfrm>
+            <a:off x="326520" y="1658542"/>
+            <a:ext cx="2095062" cy="346467"/>
+          </a:xfrm>
+          <a:prstGeom prst="rect">
+            <a:avLst/>
+          </a:prstGeom>
+          <a:noFill/>
+          <a:ln w="57150">
+            <a:solidFill>
+              <a:schemeClr val="accent1"/>
+            </a:solidFill>
+          </a:ln>
+        </p:spPr>
+        <p:style>
+          <a:lnRef idx="2">
+            <a:schemeClr val="accent1">
+              <a:shade val="50000"/>
+            </a:schemeClr>
+          </a:lnRef>
+          <a:fillRef idx="1">
+            <a:schemeClr val="accent1"/>
+          </a:fillRef>
+          <a:effectRef idx="0">
+            <a:schemeClr val="accent1"/>
+          </a:effectRef>
+          <a:fontRef idx="minor">
+            <a:schemeClr val="lt1"/>
+          </a:fontRef>
+        </p:style>
+        <p:txBody>
+          <a:bodyPr rtlCol="0" anchor="ctr"/>
+          <a:lstStyle/>
+          <a:p>
+            <a:pPr algn="ctr"/>
+            <a:endParaRPr lang="en-US" sz="900"/>
+          </a:p>
+        </p:txBody>
+      </p:sp>
+      <p:sp>
+        <p:nvSpPr>
+          <p:cNvPr id="22" name="TextBox 21"/>
+          <p:cNvSpPr txBox="1"/>
+          <p:nvPr/>
+        </p:nvSpPr>
+        <p:spPr>
+          <a:xfrm>
+            <a:off x="796007" y="1677886"/>
+            <a:ext cx="1156086" cy="307777"/>
+          </a:xfrm>
+          <a:prstGeom prst="rect">
+            <a:avLst/>
+          </a:prstGeom>
+          <a:noFill/>
+        </p:spPr>
+        <p:txBody>
+          <a:bodyPr wrap="none" rtlCol="0" anchor="ctr" anchorCtr="0">
+            <a:spAutoFit/>
+          </a:bodyPr>
+          <a:lstStyle/>
+          <a:p>
+            <a:pPr algn="ctr"/>
+            <a:r>
+              <a:rPr lang="en-US" altLang="zh-CN" sz="1400" b="1" dirty="0">
+                <a:solidFill>
+                  <a:schemeClr val="tx2"/>
+                </a:solidFill>
+                <a:latin typeface="Poppins SemiBold" charset="0"/>
+                <a:ea typeface="Poppins SemiBold" charset="0"/>
+                <a:cs typeface="Poppins SemiBold" charset="0"/>
+              </a:rPr>
+              <a:t>API</a:t>
+            </a:r>
+            <a:r>
+              <a:rPr lang="zh-CN" altLang="en-US" sz="1400" b="1" dirty="0">
+                <a:solidFill>
+                  <a:schemeClr val="tx2"/>
+                </a:solidFill>
+                <a:latin typeface="Poppins SemiBold" charset="0"/>
+                <a:ea typeface="Poppins SemiBold" charset="0"/>
+                <a:cs typeface="Poppins SemiBold" charset="0"/>
+              </a:rPr>
+              <a:t>请求结果</a:t>
+            </a:r>
+            <a:endParaRPr lang="en-US" sz="1400" b="1" dirty="0">
+              <a:solidFill>
+                <a:schemeClr val="tx2"/>
+              </a:solidFill>
+              <a:latin typeface="Poppins SemiBold" charset="0"/>
+              <a:ea typeface="Poppins SemiBold" charset="0"/>
+              <a:cs typeface="Poppins SemiBold" charset="0"/>
+            </a:endParaRPr>
+          </a:p>
+        </p:txBody>
+      </p:sp>
+      <p:pic>
+        <p:nvPicPr>
+          <p:cNvPr id="11" name="图片 10">
+            <a:extLst>
+              <a:ext uri="{FF2B5EF4-FFF2-40B4-BE49-F238E27FC236}">
+                <a16:creationId xmlns:a16="http://schemas.microsoft.com/office/drawing/2014/main" id="{C7622A79-7D54-452C-8AE1-CB3AFA605792}"/>
+              </a:ext>
+            </a:extLst>
+          </p:cNvPr>
+          <p:cNvPicPr>
+            <a:picLocks noChangeAspect="1"/>
+          </p:cNvPicPr>
+          <p:nvPr/>
+        </p:nvPicPr>
+        <p:blipFill>
+          <a:blip r:embed="rId3">
+            <a:extLst>
+              <a:ext uri="{28A0092B-C50C-407E-A947-70E740481C1C}">
+                <a14:useLocalDpi xmlns:a14="http://schemas.microsoft.com/office/drawing/2010/main" val="0"/>
+              </a:ext>
+            </a:extLst>
+          </a:blip>
+          <a:stretch>
+            <a:fillRect/>
+          </a:stretch>
+        </p:blipFill>
+        <p:spPr>
+          <a:xfrm>
+            <a:off x="326520" y="2340157"/>
+            <a:ext cx="6411220" cy="3534268"/>
+          </a:xfrm>
+          <a:prstGeom prst="rect">
+            <a:avLst/>
+          </a:prstGeom>
+        </p:spPr>
+      </p:pic>
+      <p:pic>
+        <p:nvPicPr>
+          <p:cNvPr id="13" name="图片 12">
+            <a:extLst>
+              <a:ext uri="{FF2B5EF4-FFF2-40B4-BE49-F238E27FC236}">
+                <a16:creationId xmlns:a16="http://schemas.microsoft.com/office/drawing/2014/main" id="{784E5E45-61C7-403A-9634-94D8FA7EF53F}"/>
+              </a:ext>
+            </a:extLst>
+          </p:cNvPr>
+          <p:cNvPicPr>
+            <a:picLocks noChangeAspect="1"/>
+          </p:cNvPicPr>
+          <p:nvPr/>
+        </p:nvPicPr>
+        <p:blipFill>
+          <a:blip r:embed="rId4">
+            <a:extLst>
+              <a:ext uri="{28A0092B-C50C-407E-A947-70E740481C1C}">
+                <a14:useLocalDpi xmlns:a14="http://schemas.microsoft.com/office/drawing/2010/main" val="0"/>
+              </a:ext>
+            </a:extLst>
+          </a:blip>
+          <a:stretch>
+            <a:fillRect/>
+          </a:stretch>
+        </p:blipFill>
+        <p:spPr>
+          <a:xfrm>
+            <a:off x="4517585" y="2141455"/>
+            <a:ext cx="6573167" cy="1733792"/>
+          </a:xfrm>
+          <a:prstGeom prst="rect">
+            <a:avLst/>
+          </a:prstGeom>
+        </p:spPr>
+      </p:pic>
+    </p:spTree>
+    <p:extLst>
+      <p:ext uri="{BB962C8B-B14F-4D97-AF65-F5344CB8AC3E}">
+        <p14:creationId xmlns:p14="http://schemas.microsoft.com/office/powerpoint/2010/main" val="2079130140"/>
+      </p:ext>
+    </p:extLst>
+  </p:cSld>
+  <p:clrMapOvr>
+    <a:masterClrMapping/>
+  </p:clrMapOvr>
+  <mc:AlternateContent xmlns:mc="http://schemas.openxmlformats.org/markup-compatibility/2006" xmlns:p14="http://schemas.microsoft.com/office/powerpoint/2010/main">
+    <mc:Choice Requires="p14">
+      <p:transition p14:dur="0" advClick="0"/>
+    </mc:Choice>
+    <mc:Fallback xmlns="">
+      <p:transition advClick="0"/>
+    </mc:Fallback>
+  </mc:AlternateContent>
+</p:sld>
+</file>
+
+<file path=ppt/slides/slide21.xml><?xml version="1.0" encoding="utf-8"?>
+<p:sld xmlns:a="http://schemas.openxmlformats.org/drawingml/2006/main" xmlns:r="http://schemas.openxmlformats.org/officeDocument/2006/relationships" xmlns:p="http://schemas.openxmlformats.org/presentationml/2006/main">
+  <p:cSld>
+    <p:spTree>
+      <p:nvGrpSpPr>
+        <p:cNvPr id="1" name=""/>
+        <p:cNvGrpSpPr/>
+        <p:nvPr/>
+      </p:nvGrpSpPr>
+      <p:grpSpPr>
+        <a:xfrm>
+          <a:off x="0" y="0"/>
+          <a:ext cx="0" cy="0"/>
+          <a:chOff x="0" y="0"/>
+          <a:chExt cx="0" cy="0"/>
+        </a:xfrm>
+      </p:grpSpPr>
+      <p:sp>
+        <p:nvSpPr>
+          <p:cNvPr id="4" name="TextBox 42">
+            <a:extLst>
+              <a:ext uri="{FF2B5EF4-FFF2-40B4-BE49-F238E27FC236}">
+                <a16:creationId xmlns:a16="http://schemas.microsoft.com/office/drawing/2014/main" id="{3FC1F486-C3C8-440D-97DF-2737DAC4BDFF}"/>
+              </a:ext>
+            </a:extLst>
+          </p:cNvPr>
+          <p:cNvSpPr txBox="1"/>
+          <p:nvPr/>
+        </p:nvSpPr>
+        <p:spPr>
+          <a:xfrm>
+            <a:off x="3041332" y="584729"/>
+            <a:ext cx="6109365" cy="738664"/>
+          </a:xfrm>
+          <a:prstGeom prst="rect">
+            <a:avLst/>
+          </a:prstGeom>
+          <a:noFill/>
+        </p:spPr>
+        <p:txBody>
+          <a:bodyPr wrap="none" rtlCol="0">
+            <a:spAutoFit/>
+          </a:bodyPr>
+          <a:lstStyle/>
+          <a:p>
+            <a:pPr algn="ctr"/>
+            <a:r>
+              <a:rPr lang="zh-CN" altLang="en-US" sz="4200" b="1" dirty="0">
+                <a:solidFill>
+                  <a:schemeClr val="tx2"/>
+                </a:solidFill>
+                <a:latin typeface="Lato Black" charset="0"/>
+                <a:ea typeface="Lato Black" charset="0"/>
+                <a:cs typeface="Lato Black" charset="0"/>
+              </a:rPr>
+              <a:t>将爬虫项目部署到服务器</a:t>
+            </a:r>
+            <a:endParaRPr lang="en-US" sz="4200" b="1" dirty="0">
+              <a:solidFill>
+                <a:schemeClr val="tx2"/>
+              </a:solidFill>
+              <a:latin typeface="Lato Black" charset="0"/>
+              <a:ea typeface="Lato Black" charset="0"/>
+              <a:cs typeface="Lato Black" charset="0"/>
+            </a:endParaRPr>
+          </a:p>
+        </p:txBody>
+      </p:sp>
+      <p:cxnSp>
+        <p:nvCxnSpPr>
+          <p:cNvPr id="6" name="Straight Connector 44">
+            <a:extLst>
+              <a:ext uri="{FF2B5EF4-FFF2-40B4-BE49-F238E27FC236}">
+                <a16:creationId xmlns:a16="http://schemas.microsoft.com/office/drawing/2014/main" id="{0D76727A-703D-4FC1-B1AE-ECDF020D97D0}"/>
+              </a:ext>
+            </a:extLst>
+          </p:cNvPr>
+          <p:cNvCxnSpPr/>
+          <p:nvPr/>
+        </p:nvCxnSpPr>
+        <p:spPr>
+          <a:xfrm>
+            <a:off x="5805926" y="419100"/>
+            <a:ext cx="596462" cy="0"/>
+          </a:xfrm>
+          <a:prstGeom prst="line">
+            <a:avLst/>
+          </a:prstGeom>
+          <a:ln w="57150">
+            <a:solidFill>
+              <a:schemeClr val="accent1"/>
+            </a:solidFill>
+          </a:ln>
+        </p:spPr>
+        <p:style>
+          <a:lnRef idx="1">
+            <a:schemeClr val="accent1"/>
+          </a:lnRef>
+          <a:fillRef idx="0">
+            <a:schemeClr val="accent1"/>
+          </a:fillRef>
+          <a:effectRef idx="0">
+            <a:schemeClr val="accent1"/>
+          </a:effectRef>
+          <a:fontRef idx="minor">
+            <a:schemeClr val="tx1"/>
+          </a:fontRef>
+        </p:style>
+      </p:cxnSp>
+      <p:pic>
+        <p:nvPicPr>
+          <p:cNvPr id="7" name="图片 6">
+            <a:extLst>
+              <a:ext uri="{FF2B5EF4-FFF2-40B4-BE49-F238E27FC236}">
+                <a16:creationId xmlns:a16="http://schemas.microsoft.com/office/drawing/2014/main" id="{69BCC4C0-3C4B-4EAC-8B57-885212EE3649}"/>
+              </a:ext>
+            </a:extLst>
+          </p:cNvPr>
+          <p:cNvPicPr>
+            <a:picLocks noChangeAspect="1"/>
+          </p:cNvPicPr>
+          <p:nvPr/>
+        </p:nvPicPr>
+        <p:blipFill>
+          <a:blip r:embed="rId2">
+            <a:extLst>
+              <a:ext uri="{28A0092B-C50C-407E-A947-70E740481C1C}">
+                <a14:useLocalDpi xmlns:a14="http://schemas.microsoft.com/office/drawing/2010/main" val="0"/>
+              </a:ext>
+            </a:extLst>
+          </a:blip>
+          <a:stretch>
+            <a:fillRect/>
+          </a:stretch>
+        </p:blipFill>
+        <p:spPr>
+          <a:xfrm>
+            <a:off x="1457156" y="1747343"/>
+            <a:ext cx="8697539" cy="2448267"/>
+          </a:xfrm>
+          <a:prstGeom prst="rect">
+            <a:avLst/>
+          </a:prstGeom>
+        </p:spPr>
+      </p:pic>
+      <p:pic>
+        <p:nvPicPr>
+          <p:cNvPr id="9" name="图片 8">
+            <a:extLst>
+              <a:ext uri="{FF2B5EF4-FFF2-40B4-BE49-F238E27FC236}">
+                <a16:creationId xmlns:a16="http://schemas.microsoft.com/office/drawing/2014/main" id="{B89E16FA-3C48-4752-A2E6-2440441BCBF0}"/>
+              </a:ext>
+            </a:extLst>
+          </p:cNvPr>
+          <p:cNvPicPr>
+            <a:picLocks noChangeAspect="1"/>
+          </p:cNvPicPr>
+          <p:nvPr/>
+        </p:nvPicPr>
+        <p:blipFill>
+          <a:blip r:embed="rId3">
+            <a:extLst>
+              <a:ext uri="{28A0092B-C50C-407E-A947-70E740481C1C}">
+                <a14:useLocalDpi xmlns:a14="http://schemas.microsoft.com/office/drawing/2010/main" val="0"/>
+              </a:ext>
+            </a:extLst>
+          </a:blip>
+          <a:stretch>
+            <a:fillRect/>
+          </a:stretch>
+        </p:blipFill>
+        <p:spPr>
+          <a:xfrm>
+            <a:off x="1457156" y="4619560"/>
+            <a:ext cx="8792802" cy="933580"/>
+          </a:xfrm>
+          <a:prstGeom prst="rect">
+            <a:avLst/>
+          </a:prstGeom>
+        </p:spPr>
+      </p:pic>
+    </p:spTree>
+    <p:extLst>
+      <p:ext uri="{BB962C8B-B14F-4D97-AF65-F5344CB8AC3E}">
+        <p14:creationId xmlns:p14="http://schemas.microsoft.com/office/powerpoint/2010/main" val="3706131897"/>
+      </p:ext>
+    </p:extLst>
+  </p:cSld>
+  <p:clrMapOvr>
+    <a:masterClrMapping/>
+  </p:clrMapOvr>
+  <p:transition/>
+</p:sld>
+</file>
+
+<file path=ppt/slides/slide22.xml><?xml version="1.0" encoding="utf-8"?>
+<p:sld xmlns:a="http://schemas.openxmlformats.org/drawingml/2006/main" xmlns:r="http://schemas.openxmlformats.org/officeDocument/2006/relationships" xmlns:p="http://schemas.openxmlformats.org/presentationml/2006/main">
+  <p:cSld>
+    <p:spTree>
+      <p:nvGrpSpPr>
+        <p:cNvPr id="1" name=""/>
+        <p:cNvGrpSpPr/>
+        <p:nvPr/>
+      </p:nvGrpSpPr>
+      <p:grpSpPr>
+        <a:xfrm>
+          <a:off x="0" y="0"/>
+          <a:ext cx="0" cy="0"/>
+          <a:chOff x="0" y="0"/>
+          <a:chExt cx="0" cy="0"/>
+        </a:xfrm>
+      </p:grpSpPr>
+      <p:sp>
+        <p:nvSpPr>
+          <p:cNvPr id="43" name="TextBox 42"/>
+          <p:cNvSpPr txBox="1"/>
+          <p:nvPr/>
+        </p:nvSpPr>
+        <p:spPr>
+          <a:xfrm>
+            <a:off x="4926460" y="584729"/>
+            <a:ext cx="2339102" cy="738664"/>
+          </a:xfrm>
+          <a:prstGeom prst="rect">
+            <a:avLst/>
+          </a:prstGeom>
+          <a:noFill/>
+        </p:spPr>
+        <p:txBody>
+          <a:bodyPr wrap="none" rtlCol="0">
+            <a:spAutoFit/>
+          </a:bodyPr>
+          <a:lstStyle/>
+          <a:p>
+            <a:pPr algn="ctr"/>
+            <a:r>
+              <a:rPr lang="zh-CN" altLang="en-US" sz="4200" b="1" dirty="0">
+                <a:solidFill>
+                  <a:schemeClr val="tx2"/>
+                </a:solidFill>
+                <a:latin typeface="Lato Black" charset="0"/>
+                <a:ea typeface="Lato Black" charset="0"/>
+                <a:cs typeface="Lato Black" charset="0"/>
+              </a:rPr>
+              <a:t>项目总结</a:t>
+            </a:r>
+            <a:endParaRPr lang="en-US" sz="4200" b="1" dirty="0">
+              <a:solidFill>
+                <a:schemeClr val="tx2"/>
+              </a:solidFill>
+              <a:latin typeface="Lato Black" charset="0"/>
+              <a:ea typeface="Lato Black" charset="0"/>
+              <a:cs typeface="Lato Black" charset="0"/>
+            </a:endParaRPr>
+          </a:p>
+        </p:txBody>
+      </p:sp>
+      <p:cxnSp>
+        <p:nvCxnSpPr>
+          <p:cNvPr id="45" name="Straight Connector 44"/>
+          <p:cNvCxnSpPr/>
+          <p:nvPr/>
+        </p:nvCxnSpPr>
+        <p:spPr>
+          <a:xfrm>
+            <a:off x="5805926" y="419100"/>
+            <a:ext cx="596462" cy="0"/>
+          </a:xfrm>
+          <a:prstGeom prst="line">
+            <a:avLst/>
+          </a:prstGeom>
+          <a:ln w="57150">
+            <a:solidFill>
+              <a:schemeClr val="accent1"/>
+            </a:solidFill>
+          </a:ln>
+        </p:spPr>
+        <p:style>
+          <a:lnRef idx="1">
+            <a:schemeClr val="accent1"/>
+          </a:lnRef>
+          <a:fillRef idx="0">
+            <a:schemeClr val="accent1"/>
+          </a:fillRef>
+          <a:effectRef idx="0">
+            <a:schemeClr val="accent1"/>
+          </a:effectRef>
+          <a:fontRef idx="minor">
+            <a:schemeClr val="tx1"/>
+          </a:fontRef>
+        </p:style>
+      </p:cxnSp>
+      <p:sp>
+        <p:nvSpPr>
+          <p:cNvPr id="4" name="文本框 3"/>
+          <p:cNvSpPr txBox="1"/>
+          <p:nvPr/>
+        </p:nvSpPr>
+        <p:spPr>
+          <a:xfrm>
+            <a:off x="1522632" y="3516951"/>
+            <a:ext cx="9163050" cy="2554545"/>
+          </a:xfrm>
+          <a:prstGeom prst="rect">
+            <a:avLst/>
+          </a:prstGeom>
+          <a:noFill/>
+        </p:spPr>
+        <p:txBody>
+          <a:bodyPr wrap="square" rtlCol="0">
+            <a:spAutoFit/>
+          </a:bodyPr>
+          <a:lstStyle/>
+          <a:p>
+            <a:pPr indent="457200"/>
+            <a:r>
+              <a:rPr lang="zh-CN" altLang="en-US" sz="2000" dirty="0"/>
+              <a:t>在进行情感分析时，除了使用百度</a:t>
+            </a:r>
+            <a:r>
+              <a:rPr lang="en-US" altLang="zh-CN" sz="2000" dirty="0"/>
+              <a:t>API</a:t>
+            </a:r>
+            <a:r>
+              <a:rPr lang="zh-CN" altLang="en-US" sz="2000" dirty="0"/>
+              <a:t>进行情感分析，其他两种方法都是传统的情感分析方法。</a:t>
+            </a:r>
+            <a:endParaRPr lang="en-US" altLang="zh-CN" sz="2000" dirty="0"/>
+          </a:p>
+          <a:p>
+            <a:pPr indent="457200"/>
+            <a:r>
+              <a:rPr lang="zh-CN" altLang="en-US" sz="2000" dirty="0"/>
+              <a:t>由于机器学习中的朴素贝叶斯模型在进行垃圾邮件分类时有着较好的效果，本小组曾试图使用</a:t>
+            </a:r>
+            <a:r>
+              <a:rPr lang="en-US" altLang="zh-CN" sz="2000" dirty="0"/>
+              <a:t>CCF</a:t>
+            </a:r>
+            <a:r>
+              <a:rPr lang="zh-CN" altLang="en-US" sz="2000" dirty="0"/>
+              <a:t>新闻数据集当作训练集，训练</a:t>
+            </a:r>
+            <a:r>
+              <a:rPr lang="en-US" altLang="zh-CN" sz="2000" dirty="0" err="1"/>
+              <a:t>sklearn</a:t>
+            </a:r>
+            <a:r>
+              <a:rPr lang="zh-CN" altLang="en-US" sz="2000" dirty="0"/>
+              <a:t>中的朴素贝叶斯模型，以实现通过机器学习中的监督学习方法实现新闻情感分析。</a:t>
+            </a:r>
+            <a:endParaRPr lang="en-US" altLang="zh-CN" sz="2000" dirty="0"/>
+          </a:p>
+          <a:p>
+            <a:pPr indent="457200"/>
+            <a:r>
+              <a:rPr lang="zh-CN" altLang="en-US" sz="2000" dirty="0"/>
+              <a:t>但是由于数据集的维度不同，最终未能实现通过机器学习进行情感分析的任务。替换成了使用百度云</a:t>
+            </a:r>
+            <a:r>
+              <a:rPr lang="en-US" altLang="zh-CN" sz="2000" dirty="0"/>
+              <a:t>API</a:t>
+            </a:r>
+            <a:r>
+              <a:rPr lang="zh-CN" altLang="en-US" sz="2000" dirty="0"/>
+              <a:t>进行情感分析，提高准确率。希望日后对机器学习和</a:t>
+            </a:r>
+            <a:r>
+              <a:rPr lang="en-US" altLang="zh-CN" sz="2000" dirty="0" err="1"/>
+              <a:t>sklearn</a:t>
+            </a:r>
+            <a:r>
+              <a:rPr lang="zh-CN" altLang="en-US" sz="2000" dirty="0"/>
+              <a:t>库进行深入研究，以实现更好的情感分析。</a:t>
+            </a:r>
+            <a:endParaRPr lang="en-US" altLang="zh-CN" sz="900" dirty="0"/>
+          </a:p>
+        </p:txBody>
+      </p:sp>
+      <p:sp>
+        <p:nvSpPr>
+          <p:cNvPr id="2" name="文本框 1">
+            <a:extLst>
+              <a:ext uri="{FF2B5EF4-FFF2-40B4-BE49-F238E27FC236}">
+                <a16:creationId xmlns:a16="http://schemas.microsoft.com/office/drawing/2014/main" id="{683E98DA-63D7-4642-8E16-2A5154285C62}"/>
+              </a:ext>
+            </a:extLst>
+          </p:cNvPr>
+          <p:cNvSpPr txBox="1"/>
+          <p:nvPr/>
+        </p:nvSpPr>
+        <p:spPr>
+          <a:xfrm>
+            <a:off x="1522632" y="2092328"/>
+            <a:ext cx="9163050" cy="707886"/>
+          </a:xfrm>
+          <a:prstGeom prst="rect">
+            <a:avLst/>
+          </a:prstGeom>
+          <a:noFill/>
+        </p:spPr>
+        <p:txBody>
+          <a:bodyPr wrap="square" rtlCol="0">
+            <a:spAutoFit/>
+          </a:bodyPr>
+          <a:lstStyle/>
+          <a:p>
+            <a:pPr indent="457200"/>
+            <a:r>
+              <a:rPr lang="zh-CN" altLang="en-US" sz="2000" dirty="0"/>
+              <a:t>项目分工明确。选择了合适的产品框架，完整实现了需求分析中的各项功能。同时数据库结构合理，数据库中也存储了足够的数据。</a:t>
+            </a:r>
+          </a:p>
+        </p:txBody>
+      </p:sp>
+      <p:sp>
+        <p:nvSpPr>
+          <p:cNvPr id="6" name="TextBox 77">
+            <a:extLst>
+              <a:ext uri="{FF2B5EF4-FFF2-40B4-BE49-F238E27FC236}">
+                <a16:creationId xmlns:a16="http://schemas.microsoft.com/office/drawing/2014/main" id="{0D8DC532-3D2F-4102-B2F8-512D4890CC94}"/>
+              </a:ext>
+            </a:extLst>
+          </p:cNvPr>
+          <p:cNvSpPr txBox="1"/>
+          <p:nvPr/>
+        </p:nvSpPr>
+        <p:spPr>
+          <a:xfrm>
+            <a:off x="1506318" y="1609243"/>
+            <a:ext cx="5465498" cy="430887"/>
+          </a:xfrm>
+          <a:prstGeom prst="rect">
+            <a:avLst/>
+          </a:prstGeom>
+          <a:noFill/>
+        </p:spPr>
+        <p:txBody>
+          <a:bodyPr wrap="square" rtlCol="0" anchor="ctr" anchorCtr="0">
+            <a:spAutoFit/>
+          </a:bodyPr>
+          <a:lstStyle/>
+          <a:p>
+            <a:r>
+              <a:rPr lang="zh-CN" altLang="en-US" sz="2200" dirty="0">
+                <a:solidFill>
+                  <a:schemeClr val="accent1"/>
+                </a:solidFill>
+                <a:latin typeface="Lato Light" charset="0"/>
+                <a:ea typeface="Lato Light" charset="0"/>
+                <a:cs typeface="Lato Light" charset="0"/>
+              </a:rPr>
+              <a:t>优点</a:t>
+            </a:r>
+            <a:endParaRPr lang="en-US" sz="2200" dirty="0">
+              <a:solidFill>
+                <a:schemeClr val="accent1"/>
+              </a:solidFill>
+              <a:latin typeface="Lato Light" charset="0"/>
+              <a:ea typeface="Lato Light" charset="0"/>
+              <a:cs typeface="Lato Light" charset="0"/>
+            </a:endParaRPr>
+          </a:p>
+        </p:txBody>
+      </p:sp>
+      <p:sp>
+        <p:nvSpPr>
+          <p:cNvPr id="7" name="TextBox 77">
+            <a:extLst>
+              <a:ext uri="{FF2B5EF4-FFF2-40B4-BE49-F238E27FC236}">
+                <a16:creationId xmlns:a16="http://schemas.microsoft.com/office/drawing/2014/main" id="{49CB2E8C-1FB7-415C-B5A0-53425853C73F}"/>
+              </a:ext>
+            </a:extLst>
+          </p:cNvPr>
+          <p:cNvSpPr txBox="1"/>
+          <p:nvPr/>
+        </p:nvSpPr>
+        <p:spPr>
+          <a:xfrm>
+            <a:off x="1506318" y="2943139"/>
+            <a:ext cx="5465498" cy="430887"/>
+          </a:xfrm>
+          <a:prstGeom prst="rect">
+            <a:avLst/>
+          </a:prstGeom>
+          <a:noFill/>
+        </p:spPr>
+        <p:txBody>
+          <a:bodyPr wrap="square" rtlCol="0" anchor="ctr" anchorCtr="0">
+            <a:spAutoFit/>
+          </a:bodyPr>
+          <a:lstStyle/>
+          <a:p>
+            <a:r>
+              <a:rPr lang="zh-CN" altLang="en-US" sz="2200" dirty="0">
+                <a:solidFill>
+                  <a:schemeClr val="accent1"/>
+                </a:solidFill>
+                <a:latin typeface="Lato Light" charset="0"/>
+                <a:ea typeface="Lato Light" charset="0"/>
+                <a:cs typeface="Lato Light" charset="0"/>
+              </a:rPr>
+              <a:t>遗憾之处</a:t>
+            </a:r>
+            <a:endParaRPr lang="en-US" sz="2200" dirty="0">
+              <a:solidFill>
+                <a:schemeClr val="accent1"/>
+              </a:solidFill>
+              <a:latin typeface="Lato Light" charset="0"/>
+              <a:ea typeface="Lato Light" charset="0"/>
+              <a:cs typeface="Lato Light" charset="0"/>
+            </a:endParaRPr>
+          </a:p>
+        </p:txBody>
+      </p:sp>
+    </p:spTree>
+    <p:extLst>
+      <p:ext uri="{BB962C8B-B14F-4D97-AF65-F5344CB8AC3E}">
+        <p14:creationId xmlns:p14="http://schemas.microsoft.com/office/powerpoint/2010/main" val="932489664"/>
       </p:ext>
     </p:extLst>
   </p:cSld>
@@ -16886,6 +18145,108 @@
           <a:chExt cx="0" cy="0"/>
         </a:xfrm>
       </p:grpSpPr>
+      <p:pic>
+        <p:nvPicPr>
+          <p:cNvPr id="3" name="Picture Placeholder 2"/>
+          <p:cNvPicPr>
+            <a:picLocks noGrp="1" noChangeAspect="1"/>
+          </p:cNvPicPr>
+          <p:nvPr>
+            <p:ph type="pic" sz="quarter" idx="16"/>
+          </p:nvPr>
+        </p:nvPicPr>
+        <p:blipFill>
+          <a:blip r:embed="rId3" cstate="screen">
+            <a:extLst>
+              <a:ext uri="{28A0092B-C50C-407E-A947-70E740481C1C}">
+                <a14:useLocalDpi xmlns:a14="http://schemas.microsoft.com/office/drawing/2010/main"/>
+              </a:ext>
+            </a:extLst>
+          </a:blip>
+          <a:srcRect t="30229" b="30229"/>
+          <a:stretch>
+            <a:fillRect/>
+          </a:stretch>
+        </p:blipFill>
+        <p:spPr/>
+      </p:pic>
+      <p:sp>
+        <p:nvSpPr>
+          <p:cNvPr id="9" name="文本框 8">
+            <a:extLst>
+              <a:ext uri="{FF2B5EF4-FFF2-40B4-BE49-F238E27FC236}">
+                <a16:creationId xmlns:a16="http://schemas.microsoft.com/office/drawing/2014/main" id="{834773B4-D54C-403A-A10E-F3BC01932730}"/>
+              </a:ext>
+            </a:extLst>
+          </p:cNvPr>
+          <p:cNvSpPr txBox="1"/>
+          <p:nvPr/>
+        </p:nvSpPr>
+        <p:spPr>
+          <a:xfrm>
+            <a:off x="2736208" y="1233182"/>
+            <a:ext cx="6719582" cy="769441"/>
+          </a:xfrm>
+          <a:prstGeom prst="rect">
+            <a:avLst/>
+          </a:prstGeom>
+          <a:noFill/>
+        </p:spPr>
+        <p:txBody>
+          <a:bodyPr wrap="square" rtlCol="0">
+            <a:spAutoFit/>
+          </a:bodyPr>
+          <a:lstStyle/>
+          <a:p>
+            <a:pPr algn="ctr"/>
+            <a:r>
+              <a:rPr lang="zh-CN" altLang="en-US" sz="4400" b="1" dirty="0">
+                <a:latin typeface="黑体" panose="02010609060101010101" pitchFamily="49" charset="-122"/>
+                <a:ea typeface="黑体" panose="02010609060101010101" pitchFamily="49" charset="-122"/>
+              </a:rPr>
+              <a:t>一、数据获取</a:t>
+            </a:r>
+          </a:p>
+        </p:txBody>
+      </p:sp>
+    </p:spTree>
+    <p:extLst>
+      <p:ext uri="{BB962C8B-B14F-4D97-AF65-F5344CB8AC3E}">
+        <p14:creationId xmlns:p14="http://schemas.microsoft.com/office/powerpoint/2010/main" val="1741621966"/>
+      </p:ext>
+    </p:extLst>
+  </p:cSld>
+  <p:clrMapOvr>
+    <a:masterClrMapping/>
+  </p:clrMapOvr>
+  <mc:AlternateContent xmlns:mc="http://schemas.openxmlformats.org/markup-compatibility/2006" xmlns:p14="http://schemas.microsoft.com/office/powerpoint/2010/main">
+    <mc:Choice Requires="p14">
+      <p:transition p14:dur="0" advClick="0"/>
+    </mc:Choice>
+    <mc:Fallback xmlns="">
+      <p:transition advClick="0"/>
+    </mc:Fallback>
+  </mc:AlternateContent>
+</p:sld>
+</file>
+
+<file path=ppt/slides/slide6.xml><?xml version="1.0" encoding="utf-8"?>
+<p:sld xmlns:a="http://schemas.openxmlformats.org/drawingml/2006/main" xmlns:r="http://schemas.openxmlformats.org/officeDocument/2006/relationships" xmlns:p="http://schemas.openxmlformats.org/presentationml/2006/main">
+  <p:cSld>
+    <p:spTree>
+      <p:nvGrpSpPr>
+        <p:cNvPr id="1" name=""/>
+        <p:cNvGrpSpPr/>
+        <p:nvPr/>
+      </p:nvGrpSpPr>
+      <p:grpSpPr>
+        <a:xfrm>
+          <a:off x="0" y="0"/>
+          <a:ext cx="0" cy="0"/>
+          <a:chOff x="0" y="0"/>
+          <a:chExt cx="0" cy="0"/>
+        </a:xfrm>
+      </p:grpSpPr>
       <p:sp>
         <p:nvSpPr>
           <p:cNvPr id="52" name="Right Triangle 51"/>
@@ -18025,7 +19386,7 @@
 </p:sld>
 </file>
 
-<file path=ppt/slides/slide6.xml><?xml version="1.0" encoding="utf-8"?>
+<file path=ppt/slides/slide7.xml><?xml version="1.0" encoding="utf-8"?>
 <p:sld xmlns:a="http://schemas.openxmlformats.org/drawingml/2006/main" xmlns:r="http://schemas.openxmlformats.org/officeDocument/2006/relationships" xmlns:p="http://schemas.openxmlformats.org/presentationml/2006/main">
   <p:cSld>
     <p:spTree>
@@ -20344,7 +21705,7 @@
 </p:sld>
 </file>
 
-<file path=ppt/slides/slide7.xml><?xml version="1.0" encoding="utf-8"?>
+<file path=ppt/slides/slide8.xml><?xml version="1.0" encoding="utf-8"?>
 <p:sld xmlns:a="http://schemas.openxmlformats.org/drawingml/2006/main" xmlns:r="http://schemas.openxmlformats.org/officeDocument/2006/relationships" xmlns:p="http://schemas.openxmlformats.org/presentationml/2006/main">
   <p:cSld>
     <p:spTree>
@@ -22041,7 +23402,7 @@
 </p:sld>
 </file>
 
-<file path=ppt/slides/slide8.xml><?xml version="1.0" encoding="utf-8"?>
+<file path=ppt/slides/slide9.xml><?xml version="1.0" encoding="utf-8"?>
 <p:sld xmlns:a="http://schemas.openxmlformats.org/drawingml/2006/main" xmlns:r="http://schemas.openxmlformats.org/officeDocument/2006/relationships" xmlns:p="http://schemas.openxmlformats.org/presentationml/2006/main">
   <p:cSld>
     <p:spTree>
@@ -22181,43 +23542,6 @@
           </a:fontRef>
         </p:style>
       </p:cxnSp>
-      <p:sp>
-        <p:nvSpPr>
-          <p:cNvPr id="47" name="TextBox 46"/>
-          <p:cNvSpPr txBox="1"/>
-          <p:nvPr/>
-        </p:nvSpPr>
-        <p:spPr>
-          <a:xfrm>
-            <a:off x="12707195" y="3015730"/>
-            <a:ext cx="681725" cy="276999"/>
-          </a:xfrm>
-          <a:prstGeom prst="rect">
-            <a:avLst/>
-          </a:prstGeom>
-          <a:noFill/>
-        </p:spPr>
-        <p:txBody>
-          <a:bodyPr wrap="none" rtlCol="0" anchor="ctr" anchorCtr="0">
-            <a:spAutoFit/>
-          </a:bodyPr>
-          <a:lstStyle/>
-          <a:p>
-            <a:pPr algn="ctr"/>
-            <a:r>
-              <a:rPr lang="en-US" sz="1200" b="1" dirty="0">
-                <a:solidFill>
-                  <a:schemeClr val="tx2"/>
-                </a:solidFill>
-                <a:latin typeface="Poppins SemiBold" charset="0"/>
-                <a:ea typeface="Poppins SemiBold" charset="0"/>
-                <a:cs typeface="Poppins SemiBold" charset="0"/>
-              </a:rPr>
-              <a:t>STEP 01</a:t>
-            </a:r>
-          </a:p>
-        </p:txBody>
-      </p:sp>
       <p:pic>
         <p:nvPicPr>
           <p:cNvPr id="3" name="图片 2">
@@ -22451,392 +23775,6 @@
     <p:extLst>
       <p:ext uri="{BB962C8B-B14F-4D97-AF65-F5344CB8AC3E}">
         <p14:creationId xmlns:p14="http://schemas.microsoft.com/office/powerpoint/2010/main" val="3783556302"/>
-      </p:ext>
-    </p:extLst>
-  </p:cSld>
-  <p:clrMapOvr>
-    <a:masterClrMapping/>
-  </p:clrMapOvr>
-  <mc:AlternateContent xmlns:mc="http://schemas.openxmlformats.org/markup-compatibility/2006" xmlns:p14="http://schemas.microsoft.com/office/powerpoint/2010/main">
-    <mc:Choice Requires="p14">
-      <p:transition p14:dur="10"/>
-    </mc:Choice>
-    <mc:Fallback xmlns="">
-      <p:transition/>
-    </mc:Fallback>
-  </mc:AlternateContent>
-</p:sld>
-</file>
-
-<file path=ppt/slides/slide9.xml><?xml version="1.0" encoding="utf-8"?>
-<p:sld xmlns:a="http://schemas.openxmlformats.org/drawingml/2006/main" xmlns:r="http://schemas.openxmlformats.org/officeDocument/2006/relationships" xmlns:p="http://schemas.openxmlformats.org/presentationml/2006/main">
-  <p:cSld>
-    <p:spTree>
-      <p:nvGrpSpPr>
-        <p:cNvPr id="1" name=""/>
-        <p:cNvGrpSpPr/>
-        <p:nvPr/>
-      </p:nvGrpSpPr>
-      <p:grpSpPr>
-        <a:xfrm>
-          <a:off x="0" y="0"/>
-          <a:ext cx="0" cy="0"/>
-          <a:chOff x="0" y="0"/>
-          <a:chExt cx="0" cy="0"/>
-        </a:xfrm>
-      </p:grpSpPr>
-      <p:sp>
-        <p:nvSpPr>
-          <p:cNvPr id="23" name="TextBox 22"/>
-          <p:cNvSpPr txBox="1"/>
-          <p:nvPr/>
-        </p:nvSpPr>
-        <p:spPr>
-          <a:xfrm>
-            <a:off x="5077774" y="681995"/>
-            <a:ext cx="1800493" cy="738664"/>
-          </a:xfrm>
-          <a:prstGeom prst="rect">
-            <a:avLst/>
-          </a:prstGeom>
-          <a:noFill/>
-        </p:spPr>
-        <p:txBody>
-          <a:bodyPr wrap="none" rtlCol="0">
-            <a:spAutoFit/>
-          </a:bodyPr>
-          <a:lstStyle/>
-          <a:p>
-            <a:pPr algn="ctr"/>
-            <a:r>
-              <a:rPr lang="zh-CN" altLang="en-US" sz="4200" b="1" dirty="0">
-                <a:solidFill>
-                  <a:schemeClr val="tx2"/>
-                </a:solidFill>
-                <a:latin typeface="Lato Black" charset="0"/>
-                <a:ea typeface="Lato Black" charset="0"/>
-                <a:cs typeface="Lato Black" charset="0"/>
-              </a:rPr>
-              <a:t>方式三</a:t>
-            </a:r>
-            <a:endParaRPr lang="en-US" sz="4200" b="1" dirty="0">
-              <a:solidFill>
-                <a:schemeClr val="tx2"/>
-              </a:solidFill>
-              <a:latin typeface="Lato Black" charset="0"/>
-              <a:ea typeface="Lato Black" charset="0"/>
-              <a:cs typeface="Lato Black" charset="0"/>
-            </a:endParaRPr>
-          </a:p>
-        </p:txBody>
-      </p:sp>
-      <p:sp>
-        <p:nvSpPr>
-          <p:cNvPr id="24" name="TextBox 23"/>
-          <p:cNvSpPr txBox="1"/>
-          <p:nvPr/>
-        </p:nvSpPr>
-        <p:spPr>
-          <a:xfrm>
-            <a:off x="4546572" y="1507983"/>
-            <a:ext cx="3608787" cy="348813"/>
-          </a:xfrm>
-          <a:prstGeom prst="rect">
-            <a:avLst/>
-          </a:prstGeom>
-          <a:noFill/>
-        </p:spPr>
-        <p:txBody>
-          <a:bodyPr wrap="square" rtlCol="0" anchor="ctr" anchorCtr="0">
-            <a:spAutoFit/>
-          </a:bodyPr>
-          <a:lstStyle/>
-          <a:p>
-            <a:pPr>
-              <a:lnSpc>
-                <a:spcPts val="2020"/>
-              </a:lnSpc>
-            </a:pPr>
-            <a:r>
-              <a:rPr lang="zh-CN" altLang="en-US" dirty="0">
-                <a:latin typeface="Poppins Light" charset="0"/>
-              </a:rPr>
-              <a:t>既指定博物馆，又指定时间</a:t>
-            </a:r>
-            <a:endParaRPr lang="en-US" altLang="zh-CN" dirty="0">
-              <a:latin typeface="Poppins Light" charset="0"/>
-            </a:endParaRPr>
-          </a:p>
-        </p:txBody>
-      </p:sp>
-      <p:cxnSp>
-        <p:nvCxnSpPr>
-          <p:cNvPr id="26" name="Straight Connector 25"/>
-          <p:cNvCxnSpPr/>
-          <p:nvPr/>
-        </p:nvCxnSpPr>
-        <p:spPr>
-          <a:xfrm>
-            <a:off x="5805926" y="419100"/>
-            <a:ext cx="596462" cy="0"/>
-          </a:xfrm>
-          <a:prstGeom prst="line">
-            <a:avLst/>
-          </a:prstGeom>
-          <a:ln w="57150">
-            <a:solidFill>
-              <a:schemeClr val="accent1"/>
-            </a:solidFill>
-          </a:ln>
-        </p:spPr>
-        <p:style>
-          <a:lnRef idx="1">
-            <a:schemeClr val="accent1"/>
-          </a:lnRef>
-          <a:fillRef idx="0">
-            <a:schemeClr val="accent1"/>
-          </a:fillRef>
-          <a:effectRef idx="0">
-            <a:schemeClr val="accent1"/>
-          </a:effectRef>
-          <a:fontRef idx="minor">
-            <a:schemeClr val="tx1"/>
-          </a:fontRef>
-        </p:style>
-      </p:cxnSp>
-      <p:sp>
-        <p:nvSpPr>
-          <p:cNvPr id="25" name="TextBox 22">
-            <a:extLst>
-              <a:ext uri="{FF2B5EF4-FFF2-40B4-BE49-F238E27FC236}">
-                <a16:creationId xmlns:a16="http://schemas.microsoft.com/office/drawing/2014/main" id="{C78CF06E-522A-4A5D-8E2F-B6655527824B}"/>
-              </a:ext>
-            </a:extLst>
-          </p:cNvPr>
-          <p:cNvSpPr txBox="1"/>
-          <p:nvPr/>
-        </p:nvSpPr>
-        <p:spPr>
-          <a:xfrm>
-            <a:off x="5347078" y="3724828"/>
-            <a:ext cx="1261885" cy="738664"/>
-          </a:xfrm>
-          <a:prstGeom prst="rect">
-            <a:avLst/>
-          </a:prstGeom>
-          <a:noFill/>
-        </p:spPr>
-        <p:txBody>
-          <a:bodyPr wrap="none" rtlCol="0">
-            <a:spAutoFit/>
-          </a:bodyPr>
-          <a:lstStyle/>
-          <a:p>
-            <a:pPr algn="ctr"/>
-            <a:r>
-              <a:rPr lang="zh-CN" altLang="en-US" sz="4200" b="1" dirty="0">
-                <a:solidFill>
-                  <a:schemeClr val="tx2"/>
-                </a:solidFill>
-                <a:latin typeface="Lato Black" charset="0"/>
-                <a:ea typeface="Lato Black" charset="0"/>
-                <a:cs typeface="Lato Black" charset="0"/>
-              </a:rPr>
-              <a:t>默认</a:t>
-            </a:r>
-            <a:endParaRPr lang="en-US" sz="4200" b="1" dirty="0">
-              <a:solidFill>
-                <a:schemeClr val="tx2"/>
-              </a:solidFill>
-              <a:latin typeface="Lato Black" charset="0"/>
-              <a:ea typeface="Lato Black" charset="0"/>
-              <a:cs typeface="Lato Black" charset="0"/>
-            </a:endParaRPr>
-          </a:p>
-        </p:txBody>
-      </p:sp>
-      <p:sp>
-        <p:nvSpPr>
-          <p:cNvPr id="27" name="TextBox 23">
-            <a:extLst>
-              <a:ext uri="{FF2B5EF4-FFF2-40B4-BE49-F238E27FC236}">
-                <a16:creationId xmlns:a16="http://schemas.microsoft.com/office/drawing/2014/main" id="{6D3CE4E9-0F83-494D-A2D4-C4D01658C288}"/>
-              </a:ext>
-            </a:extLst>
-          </p:cNvPr>
-          <p:cNvSpPr txBox="1"/>
-          <p:nvPr/>
-        </p:nvSpPr>
-        <p:spPr>
-          <a:xfrm>
-            <a:off x="4546571" y="4557214"/>
-            <a:ext cx="3608787" cy="348813"/>
-          </a:xfrm>
-          <a:prstGeom prst="rect">
-            <a:avLst/>
-          </a:prstGeom>
-          <a:noFill/>
-        </p:spPr>
-        <p:txBody>
-          <a:bodyPr wrap="square" rtlCol="0" anchor="ctr" anchorCtr="0">
-            <a:spAutoFit/>
-          </a:bodyPr>
-          <a:lstStyle/>
-          <a:p>
-            <a:pPr>
-              <a:lnSpc>
-                <a:spcPts val="2020"/>
-              </a:lnSpc>
-            </a:pPr>
-            <a:r>
-              <a:rPr lang="zh-CN" altLang="en-US" dirty="0">
-                <a:latin typeface="Poppins Light" charset="0"/>
-              </a:rPr>
-              <a:t>爬取所有关于博物馆的新闻</a:t>
-            </a:r>
-            <a:endParaRPr lang="en-US" altLang="zh-CN" dirty="0">
-              <a:latin typeface="Poppins Light" charset="0"/>
-            </a:endParaRPr>
-          </a:p>
-        </p:txBody>
-      </p:sp>
-      <p:pic>
-        <p:nvPicPr>
-          <p:cNvPr id="5" name="图片 4">
-            <a:extLst>
-              <a:ext uri="{FF2B5EF4-FFF2-40B4-BE49-F238E27FC236}">
-                <a16:creationId xmlns:a16="http://schemas.microsoft.com/office/drawing/2014/main" id="{3C7CDD56-9C6D-4870-9E13-10751392AC4B}"/>
-              </a:ext>
-            </a:extLst>
-          </p:cNvPr>
-          <p:cNvPicPr>
-            <a:picLocks noChangeAspect="1"/>
-          </p:cNvPicPr>
-          <p:nvPr/>
-        </p:nvPicPr>
-        <p:blipFill>
-          <a:blip r:embed="rId3">
-            <a:extLst>
-              <a:ext uri="{28A0092B-C50C-407E-A947-70E740481C1C}">
-                <a14:useLocalDpi xmlns:a14="http://schemas.microsoft.com/office/drawing/2010/main" val="0"/>
-              </a:ext>
-            </a:extLst>
-          </a:blip>
-          <a:stretch>
-            <a:fillRect/>
-          </a:stretch>
-        </p:blipFill>
-        <p:spPr>
-          <a:xfrm>
-            <a:off x="949172" y="2034425"/>
-            <a:ext cx="10545381" cy="602859"/>
-          </a:xfrm>
-          <a:prstGeom prst="rect">
-            <a:avLst/>
-          </a:prstGeom>
-        </p:spPr>
-      </p:pic>
-      <p:pic>
-        <p:nvPicPr>
-          <p:cNvPr id="8" name="图片 7">
-            <a:extLst>
-              <a:ext uri="{FF2B5EF4-FFF2-40B4-BE49-F238E27FC236}">
-                <a16:creationId xmlns:a16="http://schemas.microsoft.com/office/drawing/2014/main" id="{F458CD6E-812E-4790-B598-60CC78147A2B}"/>
-              </a:ext>
-            </a:extLst>
-          </p:cNvPr>
-          <p:cNvPicPr>
-            <a:picLocks noChangeAspect="1"/>
-          </p:cNvPicPr>
-          <p:nvPr/>
-        </p:nvPicPr>
-        <p:blipFill>
-          <a:blip r:embed="rId4">
-            <a:extLst>
-              <a:ext uri="{28A0092B-C50C-407E-A947-70E740481C1C}">
-                <a14:useLocalDpi xmlns:a14="http://schemas.microsoft.com/office/drawing/2010/main" val="0"/>
-              </a:ext>
-            </a:extLst>
-          </a:blip>
-          <a:stretch>
-            <a:fillRect/>
-          </a:stretch>
-        </p:blipFill>
-        <p:spPr>
-          <a:xfrm>
-            <a:off x="949172" y="5031236"/>
-            <a:ext cx="10545381" cy="592057"/>
-          </a:xfrm>
-          <a:prstGeom prst="rect">
-            <a:avLst/>
-          </a:prstGeom>
-        </p:spPr>
-      </p:pic>
-      <p:sp>
-        <p:nvSpPr>
-          <p:cNvPr id="11" name="íṩľíḍè-矩形: 圆角 1">
-            <a:extLst>
-              <a:ext uri="{FF2B5EF4-FFF2-40B4-BE49-F238E27FC236}">
-                <a16:creationId xmlns:a16="http://schemas.microsoft.com/office/drawing/2014/main" id="{D47B7244-3503-4A32-9E86-D72BD4CC887E}"/>
-              </a:ext>
-            </a:extLst>
-          </p:cNvPr>
-          <p:cNvSpPr/>
-          <p:nvPr/>
-        </p:nvSpPr>
-        <p:spPr>
-          <a:xfrm>
-            <a:off x="8157" y="3307346"/>
-            <a:ext cx="12192000" cy="105785"/>
-          </a:xfrm>
-          <a:prstGeom prst="roundRect">
-            <a:avLst>
-              <a:gd name="adj" fmla="val 50000"/>
-            </a:avLst>
-          </a:prstGeom>
-          <a:solidFill>
-            <a:schemeClr val="bg1">
-              <a:lumMod val="85000"/>
-            </a:schemeClr>
-          </a:solidFill>
-          <a:ln w="76200">
-            <a:noFill/>
-          </a:ln>
-        </p:spPr>
-        <p:style>
-          <a:lnRef idx="2">
-            <a:schemeClr val="accent1">
-              <a:shade val="50000"/>
-            </a:schemeClr>
-          </a:lnRef>
-          <a:fillRef idx="1">
-            <a:schemeClr val="accent1"/>
-          </a:fillRef>
-          <a:effectRef idx="0">
-            <a:schemeClr val="accent1"/>
-          </a:effectRef>
-          <a:fontRef idx="minor">
-            <a:schemeClr val="lt1"/>
-          </a:fontRef>
-        </p:style>
-        <p:txBody>
-          <a:bodyPr anchor="ctr"/>
-          <a:lstStyle/>
-          <a:p>
-            <a:pPr algn="ctr"/>
-            <a:endParaRPr>
-              <a:latin typeface="锐字工房云字库细圆GBK" panose="02010604000000000000" pitchFamily="2" charset="-122"/>
-              <a:ea typeface="微软雅黑 Light" panose="020B0502040204020203" pitchFamily="34" charset="-122"/>
-              <a:cs typeface="+mn-ea"/>
-              <a:sym typeface="锐字工房云字库细圆GBK" panose="02010604000000000000" pitchFamily="2" charset="-122"/>
-            </a:endParaRPr>
-          </a:p>
-        </p:txBody>
-      </p:sp>
-    </p:spTree>
-    <p:extLst>
-      <p:ext uri="{BB962C8B-B14F-4D97-AF65-F5344CB8AC3E}">
-        <p14:creationId xmlns:p14="http://schemas.microsoft.com/office/powerpoint/2010/main" val="1825042269"/>
       </p:ext>
     </p:extLst>
   </p:cSld>
